--- a/객체 프로그래밍 ppt.pptx
+++ b/객체 프로그래밍 ppt.pptx
@@ -5,21 +5,23 @@
     <p:sldMasterId id="2147483666" r:id="rId4"/>
   </p:sldMasterIdLst>
   <p:notesMasterIdLst>
-    <p:notesMasterId r:id="rId14"/>
+    <p:notesMasterId r:id="rId16"/>
   </p:notesMasterIdLst>
   <p:handoutMasterIdLst>
-    <p:handoutMasterId r:id="rId15"/>
+    <p:handoutMasterId r:id="rId17"/>
   </p:handoutMasterIdLst>
   <p:sldIdLst>
     <p:sldId id="256" r:id="rId5"/>
-    <p:sldId id="261" r:id="rId6"/>
-    <p:sldId id="262" r:id="rId7"/>
-    <p:sldId id="296" r:id="rId8"/>
-    <p:sldId id="297" r:id="rId9"/>
-    <p:sldId id="298" r:id="rId10"/>
-    <p:sldId id="299" r:id="rId11"/>
-    <p:sldId id="300" r:id="rId12"/>
-    <p:sldId id="276" r:id="rId13"/>
+    <p:sldId id="302" r:id="rId6"/>
+    <p:sldId id="261" r:id="rId7"/>
+    <p:sldId id="262" r:id="rId8"/>
+    <p:sldId id="296" r:id="rId9"/>
+    <p:sldId id="297" r:id="rId10"/>
+    <p:sldId id="298" r:id="rId11"/>
+    <p:sldId id="299" r:id="rId12"/>
+    <p:sldId id="300" r:id="rId13"/>
+    <p:sldId id="301" r:id="rId14"/>
+    <p:sldId id="276" r:id="rId15"/>
   </p:sldIdLst>
   <p:sldSz cx="12192000" cy="6858000"/>
   <p:notesSz cx="6858000" cy="9144000"/>
@@ -254,7 +256,7 @@
                 <a:latin typeface="+mj-ea"/>
                 <a:ea typeface="+mj-ea"/>
               </a:rPr>
-              <a:t>2023-06-10</a:t>
+              <a:t>2023-06-12</a:t>
             </a:fld>
             <a:endParaRPr lang="ko-KR" altLang="en-US" dirty="0">
               <a:latin typeface="+mj-ea"/>
@@ -452,7 +454,7 @@
             <a:fld id="{6B577933-6CF4-4A80-8F7D-D574BAC42BBA}" type="datetime1">
               <a:rPr lang="ko-KR" altLang="en-US" smtClean="0"/>
               <a:pPr/>
-              <a:t>2023-06-10</a:t>
+              <a:t>2023-06-12</a:t>
             </a:fld>
             <a:endParaRPr lang="ko-KR" altLang="en-US" dirty="0"/>
           </a:p>
@@ -816,6 +818,178 @@
 </p:notes>
 </file>
 
+<file path=ppt/notesSlides/notesSlide10.xml><?xml version="1.0" encoding="utf-8"?>
+<p:notes xmlns:a="http://schemas.openxmlformats.org/drawingml/2006/main" xmlns:r="http://schemas.openxmlformats.org/officeDocument/2006/relationships" xmlns:p="http://schemas.openxmlformats.org/presentationml/2006/main">
+  <p:cSld>
+    <p:spTree>
+      <p:nvGrpSpPr>
+        <p:cNvPr id="1" name=""/>
+        <p:cNvGrpSpPr/>
+        <p:nvPr/>
+      </p:nvGrpSpPr>
+      <p:grpSpPr>
+        <a:xfrm>
+          <a:off x="0" y="0"/>
+          <a:ext cx="0" cy="0"/>
+          <a:chOff x="0" y="0"/>
+          <a:chExt cx="0" cy="0"/>
+        </a:xfrm>
+      </p:grpSpPr>
+      <p:sp>
+        <p:nvSpPr>
+          <p:cNvPr id="2" name="슬라이드 이미지 개체 틀 1"/>
+          <p:cNvSpPr>
+            <a:spLocks noGrp="1" noRot="1" noChangeAspect="1"/>
+          </p:cNvSpPr>
+          <p:nvPr>
+            <p:ph type="sldImg"/>
+          </p:nvPr>
+        </p:nvSpPr>
+        <p:spPr/>
+      </p:sp>
+      <p:sp>
+        <p:nvSpPr>
+          <p:cNvPr id="3" name="슬라이드 노트 개체 틀 2"/>
+          <p:cNvSpPr>
+            <a:spLocks noGrp="1"/>
+          </p:cNvSpPr>
+          <p:nvPr>
+            <p:ph type="body" idx="1"/>
+          </p:nvPr>
+        </p:nvSpPr>
+        <p:spPr/>
+        <p:txBody>
+          <a:bodyPr rtlCol="0"/>
+          <a:lstStyle/>
+          <a:p>
+            <a:pPr rtl="0"/>
+            <a:endParaRPr lang="ko-KR" altLang="en-US" noProof="0" dirty="0"/>
+          </a:p>
+        </p:txBody>
+      </p:sp>
+      <p:sp>
+        <p:nvSpPr>
+          <p:cNvPr id="4" name="슬라이드 번호 개체 틀 3"/>
+          <p:cNvSpPr>
+            <a:spLocks noGrp="1"/>
+          </p:cNvSpPr>
+          <p:nvPr>
+            <p:ph type="sldNum" sz="quarter" idx="5"/>
+          </p:nvPr>
+        </p:nvSpPr>
+        <p:spPr/>
+        <p:txBody>
+          <a:bodyPr rtlCol="0"/>
+          <a:lstStyle/>
+          <a:p>
+            <a:pPr rtl="0"/>
+            <a:fld id="{D4B9A9E5-4F7F-4A7D-9DE1-899232329269}" type="slidenum">
+              <a:rPr lang="en-US" altLang="ko-KR" smtClean="0"/>
+              <a:t>10</a:t>
+            </a:fld>
+            <a:endParaRPr lang="ko-KR" altLang="en-US"/>
+          </a:p>
+        </p:txBody>
+      </p:sp>
+    </p:spTree>
+    <p:extLst>
+      <p:ext uri="{BB962C8B-B14F-4D97-AF65-F5344CB8AC3E}">
+        <p14:creationId xmlns:p14="http://schemas.microsoft.com/office/powerpoint/2010/main" val="870143983"/>
+      </p:ext>
+    </p:extLst>
+  </p:cSld>
+  <p:clrMapOvr>
+    <a:masterClrMapping/>
+  </p:clrMapOvr>
+</p:notes>
+</file>
+
+<file path=ppt/notesSlides/notesSlide11.xml><?xml version="1.0" encoding="utf-8"?>
+<p:notes xmlns:a="http://schemas.openxmlformats.org/drawingml/2006/main" xmlns:r="http://schemas.openxmlformats.org/officeDocument/2006/relationships" xmlns:p="http://schemas.openxmlformats.org/presentationml/2006/main">
+  <p:cSld>
+    <p:spTree>
+      <p:nvGrpSpPr>
+        <p:cNvPr id="1" name=""/>
+        <p:cNvGrpSpPr/>
+        <p:nvPr/>
+      </p:nvGrpSpPr>
+      <p:grpSpPr>
+        <a:xfrm>
+          <a:off x="0" y="0"/>
+          <a:ext cx="0" cy="0"/>
+          <a:chOff x="0" y="0"/>
+          <a:chExt cx="0" cy="0"/>
+        </a:xfrm>
+      </p:grpSpPr>
+      <p:sp>
+        <p:nvSpPr>
+          <p:cNvPr id="2" name="슬라이드 이미지 개체 틀 1"/>
+          <p:cNvSpPr>
+            <a:spLocks noGrp="1" noRot="1" noChangeAspect="1"/>
+          </p:cNvSpPr>
+          <p:nvPr>
+            <p:ph type="sldImg"/>
+          </p:nvPr>
+        </p:nvSpPr>
+        <p:spPr/>
+      </p:sp>
+      <p:sp>
+        <p:nvSpPr>
+          <p:cNvPr id="3" name="슬라이드 노트 개체 틀 2"/>
+          <p:cNvSpPr>
+            <a:spLocks noGrp="1"/>
+          </p:cNvSpPr>
+          <p:nvPr>
+            <p:ph type="body" idx="1"/>
+          </p:nvPr>
+        </p:nvSpPr>
+        <p:spPr/>
+        <p:txBody>
+          <a:bodyPr rtlCol="0"/>
+          <a:lstStyle/>
+          <a:p>
+            <a:pPr rtl="0"/>
+            <a:endParaRPr lang="ko-KR" altLang="en-US" noProof="0" dirty="0"/>
+          </a:p>
+        </p:txBody>
+      </p:sp>
+      <p:sp>
+        <p:nvSpPr>
+          <p:cNvPr id="4" name="슬라이드 번호 개체 틀 3"/>
+          <p:cNvSpPr>
+            <a:spLocks noGrp="1"/>
+          </p:cNvSpPr>
+          <p:nvPr>
+            <p:ph type="sldNum" sz="quarter" idx="5"/>
+          </p:nvPr>
+        </p:nvSpPr>
+        <p:spPr/>
+        <p:txBody>
+          <a:bodyPr rtlCol="0"/>
+          <a:lstStyle/>
+          <a:p>
+            <a:pPr rtl="0"/>
+            <a:fld id="{D4B9A9E5-4F7F-4A7D-9DE1-899232329269}" type="slidenum">
+              <a:rPr lang="en-US" altLang="ko-KR" smtClean="0"/>
+              <a:t>11</a:t>
+            </a:fld>
+            <a:endParaRPr lang="ko-KR" altLang="en-US"/>
+          </a:p>
+        </p:txBody>
+      </p:sp>
+    </p:spTree>
+    <p:extLst>
+      <p:ext uri="{BB962C8B-B14F-4D97-AF65-F5344CB8AC3E}">
+        <p14:creationId xmlns:p14="http://schemas.microsoft.com/office/powerpoint/2010/main" val="170328207"/>
+      </p:ext>
+    </p:extLst>
+  </p:cSld>
+  <p:clrMapOvr>
+    <a:masterClrMapping/>
+  </p:clrMapOvr>
+</p:notes>
+</file>
+
 <file path=ppt/notesSlides/notesSlide2.xml><?xml version="1.0" encoding="utf-8"?>
 <p:notes xmlns:a="http://schemas.openxmlformats.org/drawingml/2006/main" xmlns:r="http://schemas.openxmlformats.org/officeDocument/2006/relationships" xmlns:p="http://schemas.openxmlformats.org/presentationml/2006/main">
   <p:cSld>
@@ -891,7 +1065,7 @@
     </p:spTree>
     <p:extLst>
       <p:ext uri="{BB962C8B-B14F-4D97-AF65-F5344CB8AC3E}">
-        <p14:creationId xmlns:p14="http://schemas.microsoft.com/office/powerpoint/2010/main" val="983472313"/>
+        <p14:creationId xmlns:p14="http://schemas.microsoft.com/office/powerpoint/2010/main" val="1670181477"/>
       </p:ext>
     </p:extLst>
   </p:cSld>
@@ -976,7 +1150,7 @@
     </p:spTree>
     <p:extLst>
       <p:ext uri="{BB962C8B-B14F-4D97-AF65-F5344CB8AC3E}">
-        <p14:creationId xmlns:p14="http://schemas.microsoft.com/office/powerpoint/2010/main" val="256291094"/>
+        <p14:creationId xmlns:p14="http://schemas.microsoft.com/office/powerpoint/2010/main" val="983472313"/>
       </p:ext>
     </p:extLst>
   </p:cSld>
@@ -1061,7 +1235,7 @@
     </p:spTree>
     <p:extLst>
       <p:ext uri="{BB962C8B-B14F-4D97-AF65-F5344CB8AC3E}">
-        <p14:creationId xmlns:p14="http://schemas.microsoft.com/office/powerpoint/2010/main" val="651158818"/>
+        <p14:creationId xmlns:p14="http://schemas.microsoft.com/office/powerpoint/2010/main" val="256291094"/>
       </p:ext>
     </p:extLst>
   </p:cSld>
@@ -1146,7 +1320,7 @@
     </p:spTree>
     <p:extLst>
       <p:ext uri="{BB962C8B-B14F-4D97-AF65-F5344CB8AC3E}">
-        <p14:creationId xmlns:p14="http://schemas.microsoft.com/office/powerpoint/2010/main" val="1036064237"/>
+        <p14:creationId xmlns:p14="http://schemas.microsoft.com/office/powerpoint/2010/main" val="651158818"/>
       </p:ext>
     </p:extLst>
   </p:cSld>
@@ -1231,7 +1405,7 @@
     </p:spTree>
     <p:extLst>
       <p:ext uri="{BB962C8B-B14F-4D97-AF65-F5344CB8AC3E}">
-        <p14:creationId xmlns:p14="http://schemas.microsoft.com/office/powerpoint/2010/main" val="1676766975"/>
+        <p14:creationId xmlns:p14="http://schemas.microsoft.com/office/powerpoint/2010/main" val="1036064237"/>
       </p:ext>
     </p:extLst>
   </p:cSld>
@@ -1316,7 +1490,7 @@
     </p:spTree>
     <p:extLst>
       <p:ext uri="{BB962C8B-B14F-4D97-AF65-F5344CB8AC3E}">
-        <p14:creationId xmlns:p14="http://schemas.microsoft.com/office/powerpoint/2010/main" val="3739151716"/>
+        <p14:creationId xmlns:p14="http://schemas.microsoft.com/office/powerpoint/2010/main" val="1676766975"/>
       </p:ext>
     </p:extLst>
   </p:cSld>
@@ -1401,7 +1575,7 @@
     </p:spTree>
     <p:extLst>
       <p:ext uri="{BB962C8B-B14F-4D97-AF65-F5344CB8AC3E}">
-        <p14:creationId xmlns:p14="http://schemas.microsoft.com/office/powerpoint/2010/main" val="1022511623"/>
+        <p14:creationId xmlns:p14="http://schemas.microsoft.com/office/powerpoint/2010/main" val="3739151716"/>
       </p:ext>
     </p:extLst>
   </p:cSld>
@@ -1452,10 +1626,9 @@
         </p:nvSpPr>
         <p:spPr/>
         <p:txBody>
-          <a:bodyPr rtlCol="0"/>
+          <a:bodyPr/>
           <a:lstStyle/>
           <a:p>
-            <a:pPr rtl="0"/>
             <a:endParaRPr lang="ko-KR" altLang="en-US" noProof="0" dirty="0"/>
           </a:p>
         </p:txBody>
@@ -1472,12 +1645,12 @@
         </p:nvSpPr>
         <p:spPr/>
         <p:txBody>
-          <a:bodyPr rtlCol="0"/>
+          <a:bodyPr/>
           <a:lstStyle/>
           <a:p>
-            <a:pPr rtl="0"/>
             <a:fld id="{D4B9A9E5-4F7F-4A7D-9DE1-899232329269}" type="slidenum">
               <a:rPr lang="en-US" altLang="ko-KR" smtClean="0"/>
+              <a:pPr/>
               <a:t>9</a:t>
             </a:fld>
             <a:endParaRPr lang="ko-KR" altLang="en-US"/>
@@ -1487,7 +1660,7 @@
     </p:spTree>
     <p:extLst>
       <p:ext uri="{BB962C8B-B14F-4D97-AF65-F5344CB8AC3E}">
-        <p14:creationId xmlns:p14="http://schemas.microsoft.com/office/powerpoint/2010/main" val="170328207"/>
+        <p14:creationId xmlns:p14="http://schemas.microsoft.com/office/powerpoint/2010/main" val="1022511623"/>
       </p:ext>
     </p:extLst>
   </p:cSld>
@@ -18026,6 +18199,492 @@
 </p:sld>
 </file>
 
+<file path=ppt/slides/slide10.xml><?xml version="1.0" encoding="utf-8"?>
+<p:sld xmlns:a="http://schemas.openxmlformats.org/drawingml/2006/main" xmlns:r="http://schemas.openxmlformats.org/officeDocument/2006/relationships" xmlns:p="http://schemas.openxmlformats.org/presentationml/2006/main">
+  <p:cSld>
+    <p:spTree>
+      <p:nvGrpSpPr>
+        <p:cNvPr id="1" name=""/>
+        <p:cNvGrpSpPr/>
+        <p:nvPr/>
+      </p:nvGrpSpPr>
+      <p:grpSpPr>
+        <a:xfrm>
+          <a:off x="0" y="0"/>
+          <a:ext cx="0" cy="0"/>
+          <a:chOff x="0" y="0"/>
+          <a:chExt cx="0" cy="0"/>
+        </a:xfrm>
+      </p:grpSpPr>
+      <p:sp>
+        <p:nvSpPr>
+          <p:cNvPr id="2" name="제목 1">
+            <a:extLst>
+              <a:ext uri="{FF2B5EF4-FFF2-40B4-BE49-F238E27FC236}">
+                <a16:creationId xmlns:a16="http://schemas.microsoft.com/office/drawing/2014/main" id="{BCCAEE93-8585-46D4-A7EC-F184E317CB2E}"/>
+              </a:ext>
+            </a:extLst>
+          </p:cNvPr>
+          <p:cNvSpPr>
+            <a:spLocks noGrp="1"/>
+          </p:cNvSpPr>
+          <p:nvPr>
+            <p:ph type="ctrTitle"/>
+          </p:nvPr>
+        </p:nvSpPr>
+        <p:spPr>
+          <a:xfrm>
+            <a:off x="2939143" y="475862"/>
+            <a:ext cx="9252857" cy="3149082"/>
+          </a:xfrm>
+        </p:spPr>
+        <p:txBody>
+          <a:bodyPr rtlCol="0"/>
+          <a:lstStyle/>
+          <a:p>
+            <a:pPr rtl="0"/>
+            <a:r>
+              <a:rPr lang="ko-KR" altLang="en-US" sz="3000" dirty="0"/>
+              <a:t>원본 소스 출처</a:t>
+            </a:r>
+            <a:br>
+              <a:rPr lang="en-US" altLang="ko-KR" sz="2500" dirty="0"/>
+            </a:br>
+            <a:br>
+              <a:rPr lang="en-US" altLang="ko-KR" sz="2500" dirty="0"/>
+            </a:br>
+            <a:br>
+              <a:rPr lang="en-US" altLang="ko-KR" sz="2500" dirty="0"/>
+            </a:br>
+            <a:br>
+              <a:rPr lang="en-US" altLang="ko-KR" sz="2500" dirty="0"/>
+            </a:br>
+            <a:br>
+              <a:rPr lang="en-US" altLang="ko-KR" sz="2500" dirty="0"/>
+            </a:br>
+            <a:r>
+              <a:rPr lang="en-US" altLang="ko-KR" sz="2200" dirty="0">
+                <a:hlinkClick r:id="rId3"/>
+              </a:rPr>
+              <a:t>C# </a:t>
+            </a:r>
+            <a:r>
+              <a:rPr lang="ko-KR" altLang="en-US" sz="2200" dirty="0">
+                <a:hlinkClick r:id="rId3"/>
+              </a:rPr>
+              <a:t>컨베이어 </a:t>
+            </a:r>
+            <a:r>
+              <a:rPr lang="en-US" altLang="ko-KR" sz="2200" dirty="0">
+                <a:hlinkClick r:id="rId3"/>
+              </a:rPr>
+              <a:t>(2021-09-30 </a:t>
+            </a:r>
+            <a:r>
+              <a:rPr lang="ko-KR" altLang="en-US" sz="2200" dirty="0">
+                <a:hlinkClick r:id="rId3"/>
+              </a:rPr>
+              <a:t>영상 소스</a:t>
+            </a:r>
+            <a:r>
+              <a:rPr lang="en-US" altLang="ko-KR" sz="2200" dirty="0">
+                <a:hlinkClick r:id="rId3"/>
+              </a:rPr>
+              <a:t>) : </a:t>
+            </a:r>
+            <a:r>
+              <a:rPr lang="ko-KR" altLang="en-US" sz="2200" dirty="0">
+                <a:hlinkClick r:id="rId3"/>
+              </a:rPr>
+              <a:t>네이버 카페 </a:t>
+            </a:r>
+            <a:r>
+              <a:rPr lang="en-US" altLang="ko-KR" sz="2200" dirty="0">
+                <a:hlinkClick r:id="rId3"/>
+              </a:rPr>
+              <a:t>(naver.com)</a:t>
+            </a:r>
+            <a:r>
+              <a:rPr lang="ko-KR" altLang="en-US" sz="2200" dirty="0"/>
+              <a:t> </a:t>
+            </a:r>
+            <a:br>
+              <a:rPr lang="en-US" altLang="ko-KR" sz="2200" dirty="0"/>
+            </a:br>
+            <a:r>
+              <a:rPr lang="en-US" altLang="ko-KR" sz="2200" dirty="0">
+                <a:hlinkClick r:id="rId4"/>
+              </a:rPr>
+              <a:t>(516) C#</a:t>
+            </a:r>
+            <a:r>
+              <a:rPr lang="ko-KR" altLang="en-US" sz="2200" dirty="0">
+                <a:hlinkClick r:id="rId4"/>
+              </a:rPr>
+              <a:t>프로그래밍 </a:t>
+            </a:r>
+            <a:r>
+              <a:rPr lang="ko-KR" altLang="en-US" sz="2200" dirty="0" err="1">
+                <a:hlinkClick r:id="rId4"/>
+              </a:rPr>
+              <a:t>실전편</a:t>
+            </a:r>
+            <a:r>
+              <a:rPr lang="ko-KR" altLang="en-US" sz="2200" dirty="0">
+                <a:hlinkClick r:id="rId4"/>
+              </a:rPr>
+              <a:t> </a:t>
+            </a:r>
+            <a:r>
+              <a:rPr lang="en-US" altLang="ko-KR" sz="2200" dirty="0">
+                <a:hlinkClick r:id="rId4"/>
+              </a:rPr>
+              <a:t>- </a:t>
+            </a:r>
+            <a:r>
+              <a:rPr lang="en-US" altLang="ko-KR" sz="2200" dirty="0" err="1">
+                <a:hlinkClick r:id="rId4"/>
+              </a:rPr>
+              <a:t>Winform</a:t>
+            </a:r>
+            <a:r>
+              <a:rPr lang="en-US" altLang="ko-KR" sz="2200" dirty="0">
+                <a:hlinkClick r:id="rId4"/>
+              </a:rPr>
+              <a:t>, </a:t>
+            </a:r>
+            <a:r>
+              <a:rPr lang="ko-KR" altLang="en-US" sz="2200" dirty="0" err="1">
+                <a:hlinkClick r:id="rId4"/>
+              </a:rPr>
+              <a:t>보는것이</a:t>
+            </a:r>
+            <a:r>
+              <a:rPr lang="ko-KR" altLang="en-US" sz="2200" dirty="0">
+                <a:hlinkClick r:id="rId4"/>
+              </a:rPr>
+              <a:t> 하는 것보다 더 </a:t>
+            </a:r>
+            <a:r>
+              <a:rPr lang="ko-KR" altLang="en-US" sz="2200" dirty="0" err="1">
+                <a:hlinkClick r:id="rId4"/>
+              </a:rPr>
+              <a:t>재미있을순</a:t>
+            </a:r>
+            <a:r>
+              <a:rPr lang="ko-KR" altLang="en-US" sz="2200" dirty="0">
+                <a:hlinkClick r:id="rId4"/>
+              </a:rPr>
+              <a:t> 없지 </a:t>
+            </a:r>
+            <a:r>
+              <a:rPr lang="en-US" altLang="ko-KR" sz="2200" dirty="0">
+                <a:hlinkClick r:id="rId4"/>
+              </a:rPr>
+              <a:t>- YouTube</a:t>
+            </a:r>
+            <a:endParaRPr lang="ko-KR" altLang="en-US" sz="2200" dirty="0"/>
+          </a:p>
+        </p:txBody>
+      </p:sp>
+      <p:sp>
+        <p:nvSpPr>
+          <p:cNvPr id="4" name="날짜 개체 틀 3">
+            <a:extLst>
+              <a:ext uri="{FF2B5EF4-FFF2-40B4-BE49-F238E27FC236}">
+                <a16:creationId xmlns:a16="http://schemas.microsoft.com/office/drawing/2014/main" id="{72DA7980-C870-4C9A-84FA-4120D8AF5DE8}"/>
+              </a:ext>
+            </a:extLst>
+          </p:cNvPr>
+          <p:cNvSpPr>
+            <a:spLocks noGrp="1"/>
+          </p:cNvSpPr>
+          <p:nvPr>
+            <p:ph type="dt" sz="half" idx="10"/>
+          </p:nvPr>
+        </p:nvSpPr>
+        <p:spPr>
+          <a:xfrm>
+            <a:off x="4267200" y="6356350"/>
+            <a:ext cx="1774371" cy="365125"/>
+          </a:xfrm>
+        </p:spPr>
+        <p:txBody>
+          <a:bodyPr rtlCol="0"/>
+          <a:lstStyle/>
+          <a:p>
+            <a:pPr rtl="0"/>
+            <a:r>
+              <a:rPr lang="en-US" altLang="ko-KR"/>
+              <a:t>20XX</a:t>
+            </a:r>
+            <a:r>
+              <a:rPr lang="ko-KR" altLang="en-US"/>
+              <a:t>년</a:t>
+            </a:r>
+          </a:p>
+        </p:txBody>
+      </p:sp>
+      <p:sp>
+        <p:nvSpPr>
+          <p:cNvPr id="5" name="바닥글 개체 틀 4">
+            <a:extLst>
+              <a:ext uri="{FF2B5EF4-FFF2-40B4-BE49-F238E27FC236}">
+                <a16:creationId xmlns:a16="http://schemas.microsoft.com/office/drawing/2014/main" id="{0DFADE42-1A3F-40C8-A071-E57644F3D843}"/>
+              </a:ext>
+            </a:extLst>
+          </p:cNvPr>
+          <p:cNvSpPr>
+            <a:spLocks noGrp="1"/>
+          </p:cNvSpPr>
+          <p:nvPr>
+            <p:ph type="ftr" sz="quarter" idx="11"/>
+          </p:nvPr>
+        </p:nvSpPr>
+        <p:spPr>
+          <a:xfrm>
+            <a:off x="6479721" y="6356350"/>
+            <a:ext cx="2661557" cy="365125"/>
+          </a:xfrm>
+        </p:spPr>
+        <p:txBody>
+          <a:bodyPr rtlCol="0"/>
+          <a:lstStyle/>
+          <a:p>
+            <a:pPr rtl="0"/>
+            <a:r>
+              <a:rPr lang="ko-KR" altLang="en-US"/>
+              <a:t>설명 자료</a:t>
+            </a:r>
+          </a:p>
+        </p:txBody>
+      </p:sp>
+      <p:sp>
+        <p:nvSpPr>
+          <p:cNvPr id="6" name="슬라이드 번호 개체 틀 5">
+            <a:extLst>
+              <a:ext uri="{FF2B5EF4-FFF2-40B4-BE49-F238E27FC236}">
+                <a16:creationId xmlns:a16="http://schemas.microsoft.com/office/drawing/2014/main" id="{5EDCFF82-B70F-4971-9182-7C3AEA3CFD26}"/>
+              </a:ext>
+            </a:extLst>
+          </p:cNvPr>
+          <p:cNvSpPr>
+            <a:spLocks noGrp="1"/>
+          </p:cNvSpPr>
+          <p:nvPr>
+            <p:ph type="sldNum" sz="quarter" idx="12"/>
+          </p:nvPr>
+        </p:nvSpPr>
+        <p:spPr>
+          <a:xfrm>
+            <a:off x="9579428" y="6356350"/>
+            <a:ext cx="1774371" cy="365125"/>
+          </a:xfrm>
+        </p:spPr>
+        <p:txBody>
+          <a:bodyPr rtlCol="0"/>
+          <a:lstStyle/>
+          <a:p>
+            <a:pPr rtl="0"/>
+            <a:fld id="{B5CEABB6-07DC-46E8-9B57-56EC44A396E5}" type="slidenum">
+              <a:rPr lang="en-US" altLang="ko-KR" smtClean="0"/>
+              <a:pPr rtl="0"/>
+              <a:t>10</a:t>
+            </a:fld>
+            <a:endParaRPr lang="ko-KR" altLang="en-US"/>
+          </a:p>
+        </p:txBody>
+      </p:sp>
+    </p:spTree>
+    <p:extLst>
+      <p:ext uri="{BB962C8B-B14F-4D97-AF65-F5344CB8AC3E}">
+        <p14:creationId xmlns:p14="http://schemas.microsoft.com/office/powerpoint/2010/main" val="1461575631"/>
+      </p:ext>
+    </p:extLst>
+  </p:cSld>
+  <p:clrMapOvr>
+    <a:masterClrMapping/>
+  </p:clrMapOvr>
+</p:sld>
+</file>
+
+<file path=ppt/slides/slide11.xml><?xml version="1.0" encoding="utf-8"?>
+<p:sld xmlns:a="http://schemas.openxmlformats.org/drawingml/2006/main" xmlns:r="http://schemas.openxmlformats.org/officeDocument/2006/relationships" xmlns:p="http://schemas.openxmlformats.org/presentationml/2006/main">
+  <p:cSld>
+    <p:spTree>
+      <p:nvGrpSpPr>
+        <p:cNvPr id="1" name=""/>
+        <p:cNvGrpSpPr/>
+        <p:nvPr/>
+      </p:nvGrpSpPr>
+      <p:grpSpPr>
+        <a:xfrm>
+          <a:off x="0" y="0"/>
+          <a:ext cx="0" cy="0"/>
+          <a:chOff x="0" y="0"/>
+          <a:chExt cx="0" cy="0"/>
+        </a:xfrm>
+      </p:grpSpPr>
+      <p:sp>
+        <p:nvSpPr>
+          <p:cNvPr id="2" name="제목 1">
+            <a:extLst>
+              <a:ext uri="{FF2B5EF4-FFF2-40B4-BE49-F238E27FC236}">
+                <a16:creationId xmlns:a16="http://schemas.microsoft.com/office/drawing/2014/main" id="{BCCAEE93-8585-46D4-A7EC-F184E317CB2E}"/>
+              </a:ext>
+            </a:extLst>
+          </p:cNvPr>
+          <p:cNvSpPr>
+            <a:spLocks noGrp="1"/>
+          </p:cNvSpPr>
+          <p:nvPr>
+            <p:ph type="ctrTitle"/>
+          </p:nvPr>
+        </p:nvSpPr>
+        <p:spPr>
+          <a:xfrm>
+            <a:off x="4463143" y="2119589"/>
+            <a:ext cx="4179570" cy="1524735"/>
+          </a:xfrm>
+        </p:spPr>
+        <p:txBody>
+          <a:bodyPr rtlCol="0"/>
+          <a:lstStyle/>
+          <a:p>
+            <a:pPr rtl="0"/>
+            <a:r>
+              <a:rPr lang="ko-KR" altLang="en-US" dirty="0"/>
+              <a:t>감사합니다</a:t>
+            </a:r>
+            <a:r>
+              <a:rPr lang="en-US" altLang="ko-KR" dirty="0"/>
+              <a:t>.</a:t>
+            </a:r>
+            <a:endParaRPr lang="ko-KR" altLang="en-US" dirty="0"/>
+          </a:p>
+        </p:txBody>
+      </p:sp>
+      <p:sp>
+        <p:nvSpPr>
+          <p:cNvPr id="4" name="날짜 개체 틀 3">
+            <a:extLst>
+              <a:ext uri="{FF2B5EF4-FFF2-40B4-BE49-F238E27FC236}">
+                <a16:creationId xmlns:a16="http://schemas.microsoft.com/office/drawing/2014/main" id="{72DA7980-C870-4C9A-84FA-4120D8AF5DE8}"/>
+              </a:ext>
+            </a:extLst>
+          </p:cNvPr>
+          <p:cNvSpPr>
+            <a:spLocks noGrp="1"/>
+          </p:cNvSpPr>
+          <p:nvPr>
+            <p:ph type="dt" sz="half" idx="10"/>
+          </p:nvPr>
+        </p:nvSpPr>
+        <p:spPr>
+          <a:xfrm>
+            <a:off x="4267200" y="6356350"/>
+            <a:ext cx="1774371" cy="365125"/>
+          </a:xfrm>
+        </p:spPr>
+        <p:txBody>
+          <a:bodyPr rtlCol="0"/>
+          <a:lstStyle/>
+          <a:p>
+            <a:pPr rtl="0"/>
+            <a:r>
+              <a:rPr lang="en-US" altLang="ko-KR"/>
+              <a:t>20XX</a:t>
+            </a:r>
+            <a:r>
+              <a:rPr lang="ko-KR" altLang="en-US"/>
+              <a:t>년</a:t>
+            </a:r>
+          </a:p>
+        </p:txBody>
+      </p:sp>
+      <p:sp>
+        <p:nvSpPr>
+          <p:cNvPr id="5" name="바닥글 개체 틀 4">
+            <a:extLst>
+              <a:ext uri="{FF2B5EF4-FFF2-40B4-BE49-F238E27FC236}">
+                <a16:creationId xmlns:a16="http://schemas.microsoft.com/office/drawing/2014/main" id="{0DFADE42-1A3F-40C8-A071-E57644F3D843}"/>
+              </a:ext>
+            </a:extLst>
+          </p:cNvPr>
+          <p:cNvSpPr>
+            <a:spLocks noGrp="1"/>
+          </p:cNvSpPr>
+          <p:nvPr>
+            <p:ph type="ftr" sz="quarter" idx="11"/>
+          </p:nvPr>
+        </p:nvSpPr>
+        <p:spPr>
+          <a:xfrm>
+            <a:off x="6479721" y="6356350"/>
+            <a:ext cx="2661557" cy="365125"/>
+          </a:xfrm>
+        </p:spPr>
+        <p:txBody>
+          <a:bodyPr rtlCol="0"/>
+          <a:lstStyle/>
+          <a:p>
+            <a:pPr rtl="0"/>
+            <a:r>
+              <a:rPr lang="ko-KR" altLang="en-US"/>
+              <a:t>설명 자료</a:t>
+            </a:r>
+          </a:p>
+        </p:txBody>
+      </p:sp>
+      <p:sp>
+        <p:nvSpPr>
+          <p:cNvPr id="6" name="슬라이드 번호 개체 틀 5">
+            <a:extLst>
+              <a:ext uri="{FF2B5EF4-FFF2-40B4-BE49-F238E27FC236}">
+                <a16:creationId xmlns:a16="http://schemas.microsoft.com/office/drawing/2014/main" id="{5EDCFF82-B70F-4971-9182-7C3AEA3CFD26}"/>
+              </a:ext>
+            </a:extLst>
+          </p:cNvPr>
+          <p:cNvSpPr>
+            <a:spLocks noGrp="1"/>
+          </p:cNvSpPr>
+          <p:nvPr>
+            <p:ph type="sldNum" sz="quarter" idx="12"/>
+          </p:nvPr>
+        </p:nvSpPr>
+        <p:spPr>
+          <a:xfrm>
+            <a:off x="9579428" y="6356350"/>
+            <a:ext cx="1774371" cy="365125"/>
+          </a:xfrm>
+        </p:spPr>
+        <p:txBody>
+          <a:bodyPr rtlCol="0"/>
+          <a:lstStyle/>
+          <a:p>
+            <a:pPr rtl="0"/>
+            <a:fld id="{B5CEABB6-07DC-46E8-9B57-56EC44A396E5}" type="slidenum">
+              <a:rPr lang="en-US" altLang="ko-KR" smtClean="0"/>
+              <a:pPr rtl="0"/>
+              <a:t>11</a:t>
+            </a:fld>
+            <a:endParaRPr lang="ko-KR" altLang="en-US"/>
+          </a:p>
+        </p:txBody>
+      </p:sp>
+    </p:spTree>
+    <p:extLst>
+      <p:ext uri="{BB962C8B-B14F-4D97-AF65-F5344CB8AC3E}">
+        <p14:creationId xmlns:p14="http://schemas.microsoft.com/office/powerpoint/2010/main" val="2436493926"/>
+      </p:ext>
+    </p:extLst>
+  </p:cSld>
+  <p:clrMapOvr>
+    <a:masterClrMapping/>
+  </p:clrMapOvr>
+</p:sld>
+</file>
+
 <file path=ppt/slides/slide2.xml><?xml version="1.0" encoding="utf-8"?>
 <p:sld xmlns:a="http://schemas.openxmlformats.org/drawingml/2006/main" xmlns:r="http://schemas.openxmlformats.org/officeDocument/2006/relationships" xmlns:p="http://schemas.openxmlformats.org/presentationml/2006/main">
   <p:cSld>
@@ -18072,13 +18731,8 @@
             <a:pPr rtl="0"/>
             <a:r>
               <a:rPr lang="ko-KR" altLang="en-US" dirty="0"/>
-              <a:t>가게에서 왜 필요한가</a:t>
-            </a:r>
-            <a:r>
-              <a:rPr lang="en-US" altLang="ko-KR" dirty="0"/>
-              <a:t>?</a:t>
-            </a:r>
-            <a:endParaRPr lang="ko-KR" altLang="en-US" dirty="0"/>
+              <a:t>목차</a:t>
+            </a:r>
           </a:p>
         </p:txBody>
       </p:sp>
@@ -18110,9 +18764,14 @@
           <a:p>
             <a:pPr rtl="0"/>
             <a:r>
-              <a:rPr lang="ko-KR" altLang="en-US"/>
-              <a:t>고객</a:t>
-            </a:r>
+              <a:rPr lang="en-US" altLang="ko-KR" sz="2500" dirty="0"/>
+              <a:t>1</a:t>
+            </a:r>
+            <a:r>
+              <a:rPr lang="en-US" altLang="ko-KR" dirty="0"/>
+              <a:t>.</a:t>
+            </a:r>
+            <a:endParaRPr lang="ko-KR" altLang="en-US" dirty="0"/>
           </a:p>
         </p:txBody>
       </p:sp>
@@ -18144,9 +18803,10 @@
           <a:p>
             <a:pPr rtl="0"/>
             <a:r>
-              <a:rPr lang="ko-KR" altLang="en-US" dirty="0"/>
-              <a:t>비용</a:t>
-            </a:r>
+              <a:rPr lang="en-US" altLang="ko-KR" sz="2500" dirty="0"/>
+              <a:t>2</a:t>
+            </a:r>
+            <a:endParaRPr lang="ko-KR" altLang="en-US" sz="2500" dirty="0"/>
           </a:p>
         </p:txBody>
       </p:sp>
@@ -18180,16 +18840,24 @@
           <a:p>
             <a:pPr rtl="0"/>
             <a:r>
-              <a:rPr lang="ko-KR" altLang="en-US" sz="1600" dirty="0"/>
-              <a:t>고객은 보통 대형마트를 올 때 차를 타고 오기 때문에 주차 공간이 필요하다</a:t>
-            </a:r>
-            <a:r>
-              <a:rPr lang="en-US" altLang="ko-KR" sz="1600" dirty="0"/>
-              <a:t>.</a:t>
-            </a:r>
-            <a:r>
-              <a:rPr lang="ko-KR" altLang="en-US" sz="1600" dirty="0"/>
-              <a:t> </a:t>
+              <a:rPr lang="ko-KR" altLang="en-US" sz="2500" dirty="0"/>
+              <a:t>원본 </a:t>
+            </a:r>
+            <a:r>
+              <a:rPr lang="en-US" altLang="ko-KR" sz="2500" dirty="0"/>
+              <a:t>FORM</a:t>
+            </a:r>
+            <a:r>
+              <a:rPr lang="ko-KR" altLang="en-US" sz="2500" dirty="0"/>
+              <a:t>과 </a:t>
+            </a:r>
+            <a:r>
+              <a:rPr lang="en-US" altLang="ko-KR" sz="2500" dirty="0"/>
+              <a:t>CS, </a:t>
+            </a:r>
+            <a:r>
+              <a:rPr lang="ko-KR" altLang="en-US" sz="2500" dirty="0"/>
+              <a:t>디자인 </a:t>
             </a:r>
           </a:p>
         </p:txBody>
@@ -18212,7 +18880,7 @@
         </p:nvSpPr>
         <p:spPr>
           <a:xfrm>
-            <a:off x="4733730" y="2508848"/>
+            <a:off x="4675624" y="2508848"/>
             <a:ext cx="5539095" cy="1010842"/>
           </a:xfrm>
         </p:spPr>
@@ -18224,22 +18892,14 @@
           <a:p>
             <a:pPr rtl="0"/>
             <a:r>
-              <a:rPr lang="ko-KR" altLang="en-US" sz="1600" dirty="0"/>
-              <a:t>예약금을 받고 예약 후 </a:t>
-            </a:r>
-            <a:r>
-              <a:rPr lang="en-US" altLang="ko-KR" sz="1600" dirty="0"/>
-              <a:t>20</a:t>
-            </a:r>
-            <a:r>
-              <a:rPr lang="ko-KR" altLang="en-US" sz="1600" dirty="0"/>
-              <a:t>분 이내로 온다면 예약금을 마트에서 사용 가능하게 하면 오히려 수익이 날 수 있다</a:t>
-            </a:r>
-            <a:r>
-              <a:rPr lang="en-US" altLang="ko-KR" sz="1600" dirty="0"/>
-              <a:t>.</a:t>
-            </a:r>
-            <a:endParaRPr lang="ko-KR" altLang="en-US" sz="1600" dirty="0"/>
+              <a:rPr lang="ko-KR" altLang="en-US" sz="2500" dirty="0"/>
+              <a:t>개선 후 </a:t>
+            </a:r>
+            <a:r>
+              <a:rPr lang="en-US" altLang="ko-KR" sz="2500" dirty="0"/>
+              <a:t>FORM</a:t>
+            </a:r>
+            <a:endParaRPr lang="ko-KR" altLang="en-US" sz="2500" dirty="0"/>
           </a:p>
         </p:txBody>
       </p:sp>
@@ -18279,10 +18939,876 @@
           </a:p>
         </p:txBody>
       </p:sp>
+      <p:sp>
+        <p:nvSpPr>
+          <p:cNvPr id="3" name="텍스트 개체 틀 5">
+            <a:extLst>
+              <a:ext uri="{FF2B5EF4-FFF2-40B4-BE49-F238E27FC236}">
+                <a16:creationId xmlns:a16="http://schemas.microsoft.com/office/drawing/2014/main" id="{C452949F-FEBC-D759-77BB-434D8F86B9F2}"/>
+              </a:ext>
+            </a:extLst>
+          </p:cNvPr>
+          <p:cNvSpPr txBox="1">
+            <a:spLocks/>
+          </p:cNvSpPr>
+          <p:nvPr/>
+        </p:nvSpPr>
+        <p:spPr>
+          <a:xfrm>
+            <a:off x="1618861" y="3763096"/>
+            <a:ext cx="2141764" cy="514350"/>
+          </a:xfrm>
+          <a:prstGeom prst="rect">
+            <a:avLst/>
+          </a:prstGeom>
+        </p:spPr>
+        <p:txBody>
+          <a:bodyPr vert="horz" lIns="91440" tIns="45720" rIns="91440" bIns="45720" rtlCol="0" anchor="ctr">
+            <a:noAutofit/>
+          </a:bodyPr>
+          <a:lstStyle>
+            <a:lvl1pPr marL="0" indent="0" algn="r" defTabSz="914400" rtl="0" eaLnBrk="1" latinLnBrk="1" hangingPunct="1">
+              <a:lnSpc>
+                <a:spcPct val="90000"/>
+              </a:lnSpc>
+              <a:spcBef>
+                <a:spcPts val="1000"/>
+              </a:spcBef>
+              <a:buFont typeface="Arial" panose="020B0604020202020204" pitchFamily="34" charset="0"/>
+              <a:buNone/>
+              <a:defRPr sz="1600" kern="1200" cap="all" spc="150" baseline="0">
+                <a:solidFill>
+                  <a:schemeClr val="tx1">
+                    <a:lumMod val="75000"/>
+                    <a:lumOff val="25000"/>
+                  </a:schemeClr>
+                </a:solidFill>
+                <a:latin typeface="맑은 고딕" panose="020B0503020000020004" pitchFamily="50" charset="-127"/>
+                <a:ea typeface="맑은 고딕" panose="020B0503020000020004" pitchFamily="50" charset="-127"/>
+                <a:cs typeface="+mn-cs"/>
+              </a:defRPr>
+            </a:lvl1pPr>
+            <a:lvl2pPr marL="685800" indent="-228600" algn="l" defTabSz="914400" rtl="0" eaLnBrk="1" latinLnBrk="1" hangingPunct="1">
+              <a:lnSpc>
+                <a:spcPct val="90000"/>
+              </a:lnSpc>
+              <a:spcBef>
+                <a:spcPts val="500"/>
+              </a:spcBef>
+              <a:buFont typeface="Arial" panose="020B0604020202020204" pitchFamily="34" charset="0"/>
+              <a:buChar char="•"/>
+              <a:defRPr sz="2400" kern="1200">
+                <a:solidFill>
+                  <a:schemeClr val="tx1">
+                    <a:lumMod val="75000"/>
+                    <a:lumOff val="25000"/>
+                  </a:schemeClr>
+                </a:solidFill>
+                <a:latin typeface="맑은 고딕" panose="020B0503020000020004" pitchFamily="50" charset="-127"/>
+                <a:ea typeface="맑은 고딕" panose="020B0503020000020004" pitchFamily="50" charset="-127"/>
+                <a:cs typeface="+mn-cs"/>
+              </a:defRPr>
+            </a:lvl2pPr>
+            <a:lvl3pPr marL="1143000" indent="-228600" algn="l" defTabSz="914400" rtl="0" eaLnBrk="1" latinLnBrk="1" hangingPunct="1">
+              <a:lnSpc>
+                <a:spcPct val="90000"/>
+              </a:lnSpc>
+              <a:spcBef>
+                <a:spcPts val="500"/>
+              </a:spcBef>
+              <a:buFont typeface="Arial" panose="020B0604020202020204" pitchFamily="34" charset="0"/>
+              <a:buChar char="•"/>
+              <a:defRPr sz="2000" kern="1200">
+                <a:solidFill>
+                  <a:schemeClr val="tx1">
+                    <a:lumMod val="75000"/>
+                    <a:lumOff val="25000"/>
+                  </a:schemeClr>
+                </a:solidFill>
+                <a:latin typeface="맑은 고딕" panose="020B0503020000020004" pitchFamily="50" charset="-127"/>
+                <a:ea typeface="맑은 고딕" panose="020B0503020000020004" pitchFamily="50" charset="-127"/>
+                <a:cs typeface="+mn-cs"/>
+              </a:defRPr>
+            </a:lvl3pPr>
+            <a:lvl4pPr marL="1600200" indent="-228600" algn="l" defTabSz="914400" rtl="0" eaLnBrk="1" latinLnBrk="1" hangingPunct="1">
+              <a:lnSpc>
+                <a:spcPct val="90000"/>
+              </a:lnSpc>
+              <a:spcBef>
+                <a:spcPts val="500"/>
+              </a:spcBef>
+              <a:buFont typeface="Arial" panose="020B0604020202020204" pitchFamily="34" charset="0"/>
+              <a:buChar char="•"/>
+              <a:defRPr sz="1800" kern="1200">
+                <a:solidFill>
+                  <a:schemeClr val="tx1">
+                    <a:lumMod val="75000"/>
+                    <a:lumOff val="25000"/>
+                  </a:schemeClr>
+                </a:solidFill>
+                <a:latin typeface="맑은 고딕" panose="020B0503020000020004" pitchFamily="50" charset="-127"/>
+                <a:ea typeface="맑은 고딕" panose="020B0503020000020004" pitchFamily="50" charset="-127"/>
+                <a:cs typeface="+mn-cs"/>
+              </a:defRPr>
+            </a:lvl4pPr>
+            <a:lvl5pPr marL="2057400" indent="-228600" algn="l" defTabSz="914400" rtl="0" eaLnBrk="1" latinLnBrk="1" hangingPunct="1">
+              <a:lnSpc>
+                <a:spcPct val="90000"/>
+              </a:lnSpc>
+              <a:spcBef>
+                <a:spcPts val="500"/>
+              </a:spcBef>
+              <a:buFont typeface="Arial" panose="020B0604020202020204" pitchFamily="34" charset="0"/>
+              <a:buChar char="•"/>
+              <a:defRPr sz="1800" kern="1200">
+                <a:solidFill>
+                  <a:schemeClr val="tx1">
+                    <a:lumMod val="75000"/>
+                    <a:lumOff val="25000"/>
+                  </a:schemeClr>
+                </a:solidFill>
+                <a:latin typeface="맑은 고딕" panose="020B0503020000020004" pitchFamily="50" charset="-127"/>
+                <a:ea typeface="맑은 고딕" panose="020B0503020000020004" pitchFamily="50" charset="-127"/>
+                <a:cs typeface="+mn-cs"/>
+              </a:defRPr>
+            </a:lvl5pPr>
+            <a:lvl6pPr marL="2514600" indent="-228600" algn="l" defTabSz="914400" rtl="0" eaLnBrk="1" latinLnBrk="1" hangingPunct="1">
+              <a:lnSpc>
+                <a:spcPct val="90000"/>
+              </a:lnSpc>
+              <a:spcBef>
+                <a:spcPts val="500"/>
+              </a:spcBef>
+              <a:buFont typeface="Arial" panose="020B0604020202020204" pitchFamily="34" charset="0"/>
+              <a:buChar char="•"/>
+              <a:defRPr sz="1800" kern="1200">
+                <a:solidFill>
+                  <a:schemeClr val="tx1"/>
+                </a:solidFill>
+                <a:latin typeface="+mn-lt"/>
+                <a:ea typeface="+mn-ea"/>
+                <a:cs typeface="+mn-cs"/>
+              </a:defRPr>
+            </a:lvl6pPr>
+            <a:lvl7pPr marL="2971800" indent="-228600" algn="l" defTabSz="914400" rtl="0" eaLnBrk="1" latinLnBrk="1" hangingPunct="1">
+              <a:lnSpc>
+                <a:spcPct val="90000"/>
+              </a:lnSpc>
+              <a:spcBef>
+                <a:spcPts val="500"/>
+              </a:spcBef>
+              <a:buFont typeface="Arial" panose="020B0604020202020204" pitchFamily="34" charset="0"/>
+              <a:buChar char="•"/>
+              <a:defRPr sz="1800" kern="1200">
+                <a:solidFill>
+                  <a:schemeClr val="tx1"/>
+                </a:solidFill>
+                <a:latin typeface="+mn-lt"/>
+                <a:ea typeface="+mn-ea"/>
+                <a:cs typeface="+mn-cs"/>
+              </a:defRPr>
+            </a:lvl7pPr>
+            <a:lvl8pPr marL="3429000" indent="-228600" algn="l" defTabSz="914400" rtl="0" eaLnBrk="1" latinLnBrk="1" hangingPunct="1">
+              <a:lnSpc>
+                <a:spcPct val="90000"/>
+              </a:lnSpc>
+              <a:spcBef>
+                <a:spcPts val="500"/>
+              </a:spcBef>
+              <a:buFont typeface="Arial" panose="020B0604020202020204" pitchFamily="34" charset="0"/>
+              <a:buChar char="•"/>
+              <a:defRPr sz="1800" kern="1200">
+                <a:solidFill>
+                  <a:schemeClr val="tx1"/>
+                </a:solidFill>
+                <a:latin typeface="+mn-lt"/>
+                <a:ea typeface="+mn-ea"/>
+                <a:cs typeface="+mn-cs"/>
+              </a:defRPr>
+            </a:lvl8pPr>
+            <a:lvl9pPr marL="3886200" indent="-228600" algn="l" defTabSz="914400" rtl="0" eaLnBrk="1" latinLnBrk="1" hangingPunct="1">
+              <a:lnSpc>
+                <a:spcPct val="90000"/>
+              </a:lnSpc>
+              <a:spcBef>
+                <a:spcPts val="500"/>
+              </a:spcBef>
+              <a:buFont typeface="Arial" panose="020B0604020202020204" pitchFamily="34" charset="0"/>
+              <a:buChar char="•"/>
+              <a:defRPr sz="1800" kern="1200">
+                <a:solidFill>
+                  <a:schemeClr val="tx1"/>
+                </a:solidFill>
+                <a:latin typeface="+mn-lt"/>
+                <a:ea typeface="+mn-ea"/>
+                <a:cs typeface="+mn-cs"/>
+              </a:defRPr>
+            </a:lvl9pPr>
+          </a:lstStyle>
+          <a:p>
+            <a:r>
+              <a:rPr lang="en-US" altLang="ko-KR" sz="2500" dirty="0"/>
+              <a:t>3</a:t>
+            </a:r>
+            <a:endParaRPr lang="ko-KR" altLang="en-US" sz="2500" dirty="0"/>
+          </a:p>
+        </p:txBody>
+      </p:sp>
+      <p:sp>
+        <p:nvSpPr>
+          <p:cNvPr id="5" name="텍스트 개체 틀 5">
+            <a:extLst>
+              <a:ext uri="{FF2B5EF4-FFF2-40B4-BE49-F238E27FC236}">
+                <a16:creationId xmlns:a16="http://schemas.microsoft.com/office/drawing/2014/main" id="{C3AA36AC-B1C1-9090-F401-FF4DB2A01D21}"/>
+              </a:ext>
+            </a:extLst>
+          </p:cNvPr>
+          <p:cNvSpPr txBox="1">
+            <a:spLocks/>
+          </p:cNvSpPr>
+          <p:nvPr/>
+        </p:nvSpPr>
+        <p:spPr>
+          <a:xfrm>
+            <a:off x="2052151" y="4702500"/>
+            <a:ext cx="2141764" cy="514350"/>
+          </a:xfrm>
+          <a:prstGeom prst="rect">
+            <a:avLst/>
+          </a:prstGeom>
+        </p:spPr>
+        <p:txBody>
+          <a:bodyPr vert="horz" lIns="91440" tIns="45720" rIns="91440" bIns="45720" rtlCol="0" anchor="ctr">
+            <a:noAutofit/>
+          </a:bodyPr>
+          <a:lstStyle>
+            <a:lvl1pPr marL="0" indent="0" algn="r" defTabSz="914400" rtl="0" eaLnBrk="1" latinLnBrk="1" hangingPunct="1">
+              <a:lnSpc>
+                <a:spcPct val="90000"/>
+              </a:lnSpc>
+              <a:spcBef>
+                <a:spcPts val="1000"/>
+              </a:spcBef>
+              <a:buFont typeface="Arial" panose="020B0604020202020204" pitchFamily="34" charset="0"/>
+              <a:buNone/>
+              <a:defRPr sz="1600" kern="1200" cap="all" spc="150" baseline="0">
+                <a:solidFill>
+                  <a:schemeClr val="tx1">
+                    <a:lumMod val="75000"/>
+                    <a:lumOff val="25000"/>
+                  </a:schemeClr>
+                </a:solidFill>
+                <a:latin typeface="맑은 고딕" panose="020B0503020000020004" pitchFamily="50" charset="-127"/>
+                <a:ea typeface="맑은 고딕" panose="020B0503020000020004" pitchFamily="50" charset="-127"/>
+                <a:cs typeface="+mn-cs"/>
+              </a:defRPr>
+            </a:lvl1pPr>
+            <a:lvl2pPr marL="685800" indent="-228600" algn="l" defTabSz="914400" rtl="0" eaLnBrk="1" latinLnBrk="1" hangingPunct="1">
+              <a:lnSpc>
+                <a:spcPct val="90000"/>
+              </a:lnSpc>
+              <a:spcBef>
+                <a:spcPts val="500"/>
+              </a:spcBef>
+              <a:buFont typeface="Arial" panose="020B0604020202020204" pitchFamily="34" charset="0"/>
+              <a:buChar char="•"/>
+              <a:defRPr sz="2400" kern="1200">
+                <a:solidFill>
+                  <a:schemeClr val="tx1">
+                    <a:lumMod val="75000"/>
+                    <a:lumOff val="25000"/>
+                  </a:schemeClr>
+                </a:solidFill>
+                <a:latin typeface="맑은 고딕" panose="020B0503020000020004" pitchFamily="50" charset="-127"/>
+                <a:ea typeface="맑은 고딕" panose="020B0503020000020004" pitchFamily="50" charset="-127"/>
+                <a:cs typeface="+mn-cs"/>
+              </a:defRPr>
+            </a:lvl2pPr>
+            <a:lvl3pPr marL="1143000" indent="-228600" algn="l" defTabSz="914400" rtl="0" eaLnBrk="1" latinLnBrk="1" hangingPunct="1">
+              <a:lnSpc>
+                <a:spcPct val="90000"/>
+              </a:lnSpc>
+              <a:spcBef>
+                <a:spcPts val="500"/>
+              </a:spcBef>
+              <a:buFont typeface="Arial" panose="020B0604020202020204" pitchFamily="34" charset="0"/>
+              <a:buChar char="•"/>
+              <a:defRPr sz="2000" kern="1200">
+                <a:solidFill>
+                  <a:schemeClr val="tx1">
+                    <a:lumMod val="75000"/>
+                    <a:lumOff val="25000"/>
+                  </a:schemeClr>
+                </a:solidFill>
+                <a:latin typeface="맑은 고딕" panose="020B0503020000020004" pitchFamily="50" charset="-127"/>
+                <a:ea typeface="맑은 고딕" panose="020B0503020000020004" pitchFamily="50" charset="-127"/>
+                <a:cs typeface="+mn-cs"/>
+              </a:defRPr>
+            </a:lvl3pPr>
+            <a:lvl4pPr marL="1600200" indent="-228600" algn="l" defTabSz="914400" rtl="0" eaLnBrk="1" latinLnBrk="1" hangingPunct="1">
+              <a:lnSpc>
+                <a:spcPct val="90000"/>
+              </a:lnSpc>
+              <a:spcBef>
+                <a:spcPts val="500"/>
+              </a:spcBef>
+              <a:buFont typeface="Arial" panose="020B0604020202020204" pitchFamily="34" charset="0"/>
+              <a:buChar char="•"/>
+              <a:defRPr sz="1800" kern="1200">
+                <a:solidFill>
+                  <a:schemeClr val="tx1">
+                    <a:lumMod val="75000"/>
+                    <a:lumOff val="25000"/>
+                  </a:schemeClr>
+                </a:solidFill>
+                <a:latin typeface="맑은 고딕" panose="020B0503020000020004" pitchFamily="50" charset="-127"/>
+                <a:ea typeface="맑은 고딕" panose="020B0503020000020004" pitchFamily="50" charset="-127"/>
+                <a:cs typeface="+mn-cs"/>
+              </a:defRPr>
+            </a:lvl4pPr>
+            <a:lvl5pPr marL="2057400" indent="-228600" algn="l" defTabSz="914400" rtl="0" eaLnBrk="1" latinLnBrk="1" hangingPunct="1">
+              <a:lnSpc>
+                <a:spcPct val="90000"/>
+              </a:lnSpc>
+              <a:spcBef>
+                <a:spcPts val="500"/>
+              </a:spcBef>
+              <a:buFont typeface="Arial" panose="020B0604020202020204" pitchFamily="34" charset="0"/>
+              <a:buChar char="•"/>
+              <a:defRPr sz="1800" kern="1200">
+                <a:solidFill>
+                  <a:schemeClr val="tx1">
+                    <a:lumMod val="75000"/>
+                    <a:lumOff val="25000"/>
+                  </a:schemeClr>
+                </a:solidFill>
+                <a:latin typeface="맑은 고딕" panose="020B0503020000020004" pitchFamily="50" charset="-127"/>
+                <a:ea typeface="맑은 고딕" panose="020B0503020000020004" pitchFamily="50" charset="-127"/>
+                <a:cs typeface="+mn-cs"/>
+              </a:defRPr>
+            </a:lvl5pPr>
+            <a:lvl6pPr marL="2514600" indent="-228600" algn="l" defTabSz="914400" rtl="0" eaLnBrk="1" latinLnBrk="1" hangingPunct="1">
+              <a:lnSpc>
+                <a:spcPct val="90000"/>
+              </a:lnSpc>
+              <a:spcBef>
+                <a:spcPts val="500"/>
+              </a:spcBef>
+              <a:buFont typeface="Arial" panose="020B0604020202020204" pitchFamily="34" charset="0"/>
+              <a:buChar char="•"/>
+              <a:defRPr sz="1800" kern="1200">
+                <a:solidFill>
+                  <a:schemeClr val="tx1"/>
+                </a:solidFill>
+                <a:latin typeface="+mn-lt"/>
+                <a:ea typeface="+mn-ea"/>
+                <a:cs typeface="+mn-cs"/>
+              </a:defRPr>
+            </a:lvl6pPr>
+            <a:lvl7pPr marL="2971800" indent="-228600" algn="l" defTabSz="914400" rtl="0" eaLnBrk="1" latinLnBrk="1" hangingPunct="1">
+              <a:lnSpc>
+                <a:spcPct val="90000"/>
+              </a:lnSpc>
+              <a:spcBef>
+                <a:spcPts val="500"/>
+              </a:spcBef>
+              <a:buFont typeface="Arial" panose="020B0604020202020204" pitchFamily="34" charset="0"/>
+              <a:buChar char="•"/>
+              <a:defRPr sz="1800" kern="1200">
+                <a:solidFill>
+                  <a:schemeClr val="tx1"/>
+                </a:solidFill>
+                <a:latin typeface="+mn-lt"/>
+                <a:ea typeface="+mn-ea"/>
+                <a:cs typeface="+mn-cs"/>
+              </a:defRPr>
+            </a:lvl7pPr>
+            <a:lvl8pPr marL="3429000" indent="-228600" algn="l" defTabSz="914400" rtl="0" eaLnBrk="1" latinLnBrk="1" hangingPunct="1">
+              <a:lnSpc>
+                <a:spcPct val="90000"/>
+              </a:lnSpc>
+              <a:spcBef>
+                <a:spcPts val="500"/>
+              </a:spcBef>
+              <a:buFont typeface="Arial" panose="020B0604020202020204" pitchFamily="34" charset="0"/>
+              <a:buChar char="•"/>
+              <a:defRPr sz="1800" kern="1200">
+                <a:solidFill>
+                  <a:schemeClr val="tx1"/>
+                </a:solidFill>
+                <a:latin typeface="+mn-lt"/>
+                <a:ea typeface="+mn-ea"/>
+                <a:cs typeface="+mn-cs"/>
+              </a:defRPr>
+            </a:lvl8pPr>
+            <a:lvl9pPr marL="3886200" indent="-228600" algn="l" defTabSz="914400" rtl="0" eaLnBrk="1" latinLnBrk="1" hangingPunct="1">
+              <a:lnSpc>
+                <a:spcPct val="90000"/>
+              </a:lnSpc>
+              <a:spcBef>
+                <a:spcPts val="500"/>
+              </a:spcBef>
+              <a:buFont typeface="Arial" panose="020B0604020202020204" pitchFamily="34" charset="0"/>
+              <a:buChar char="•"/>
+              <a:defRPr sz="1800" kern="1200">
+                <a:solidFill>
+                  <a:schemeClr val="tx1"/>
+                </a:solidFill>
+                <a:latin typeface="+mn-lt"/>
+                <a:ea typeface="+mn-ea"/>
+                <a:cs typeface="+mn-cs"/>
+              </a:defRPr>
+            </a:lvl9pPr>
+          </a:lstStyle>
+          <a:p>
+            <a:r>
+              <a:rPr lang="en-US" altLang="ko-KR" sz="2500" dirty="0"/>
+              <a:t>4</a:t>
+            </a:r>
+            <a:endParaRPr lang="ko-KR" altLang="en-US" sz="2500" dirty="0"/>
+          </a:p>
+        </p:txBody>
+      </p:sp>
+      <p:sp>
+        <p:nvSpPr>
+          <p:cNvPr id="7" name="텍스트 개체 틀 9">
+            <a:extLst>
+              <a:ext uri="{FF2B5EF4-FFF2-40B4-BE49-F238E27FC236}">
+                <a16:creationId xmlns:a16="http://schemas.microsoft.com/office/drawing/2014/main" id="{0C5904B0-5F61-7CA1-87CC-CBFDEE929F2E}"/>
+              </a:ext>
+            </a:extLst>
+          </p:cNvPr>
+          <p:cNvSpPr txBox="1">
+            <a:spLocks/>
+          </p:cNvSpPr>
+          <p:nvPr/>
+        </p:nvSpPr>
+        <p:spPr>
+          <a:xfrm>
+            <a:off x="5341208" y="3691658"/>
+            <a:ext cx="5539095" cy="1010842"/>
+          </a:xfrm>
+          <a:prstGeom prst="rect">
+            <a:avLst/>
+          </a:prstGeom>
+        </p:spPr>
+        <p:txBody>
+          <a:bodyPr vert="horz" lIns="91440" tIns="45720" rIns="91440" bIns="45720" rtlCol="0" anchor="t">
+            <a:normAutofit/>
+          </a:bodyPr>
+          <a:lstStyle>
+            <a:lvl1pPr marL="0" indent="0" algn="l" defTabSz="914400" rtl="0" eaLnBrk="1" latinLnBrk="1" hangingPunct="1">
+              <a:lnSpc>
+                <a:spcPct val="100000"/>
+              </a:lnSpc>
+              <a:spcBef>
+                <a:spcPts val="1000"/>
+              </a:spcBef>
+              <a:buFont typeface="Arial" panose="020B0604020202020204" pitchFamily="34" charset="0"/>
+              <a:buNone/>
+              <a:defRPr sz="1400" kern="1200" spc="50" baseline="0">
+                <a:solidFill>
+                  <a:schemeClr val="tx1">
+                    <a:lumMod val="75000"/>
+                    <a:lumOff val="25000"/>
+                  </a:schemeClr>
+                </a:solidFill>
+                <a:latin typeface="맑은 고딕" panose="020B0503020000020004" pitchFamily="50" charset="-127"/>
+                <a:ea typeface="맑은 고딕" panose="020B0503020000020004" pitchFamily="50" charset="-127"/>
+                <a:cs typeface="+mn-cs"/>
+              </a:defRPr>
+            </a:lvl1pPr>
+            <a:lvl2pPr marL="685800" indent="-228600" algn="l" defTabSz="914400" rtl="0" eaLnBrk="1" latinLnBrk="1" hangingPunct="1">
+              <a:lnSpc>
+                <a:spcPct val="90000"/>
+              </a:lnSpc>
+              <a:spcBef>
+                <a:spcPts val="500"/>
+              </a:spcBef>
+              <a:buFont typeface="Arial" panose="020B0604020202020204" pitchFamily="34" charset="0"/>
+              <a:buChar char="•"/>
+              <a:defRPr sz="2400" kern="1200">
+                <a:solidFill>
+                  <a:schemeClr val="tx1">
+                    <a:lumMod val="75000"/>
+                    <a:lumOff val="25000"/>
+                  </a:schemeClr>
+                </a:solidFill>
+                <a:latin typeface="맑은 고딕" panose="020B0503020000020004" pitchFamily="50" charset="-127"/>
+                <a:ea typeface="맑은 고딕" panose="020B0503020000020004" pitchFamily="50" charset="-127"/>
+                <a:cs typeface="+mn-cs"/>
+              </a:defRPr>
+            </a:lvl2pPr>
+            <a:lvl3pPr marL="1143000" indent="-228600" algn="l" defTabSz="914400" rtl="0" eaLnBrk="1" latinLnBrk="1" hangingPunct="1">
+              <a:lnSpc>
+                <a:spcPct val="90000"/>
+              </a:lnSpc>
+              <a:spcBef>
+                <a:spcPts val="500"/>
+              </a:spcBef>
+              <a:buFont typeface="Arial" panose="020B0604020202020204" pitchFamily="34" charset="0"/>
+              <a:buChar char="•"/>
+              <a:defRPr sz="2000" kern="1200">
+                <a:solidFill>
+                  <a:schemeClr val="tx1">
+                    <a:lumMod val="75000"/>
+                    <a:lumOff val="25000"/>
+                  </a:schemeClr>
+                </a:solidFill>
+                <a:latin typeface="맑은 고딕" panose="020B0503020000020004" pitchFamily="50" charset="-127"/>
+                <a:ea typeface="맑은 고딕" panose="020B0503020000020004" pitchFamily="50" charset="-127"/>
+                <a:cs typeface="+mn-cs"/>
+              </a:defRPr>
+            </a:lvl3pPr>
+            <a:lvl4pPr marL="1600200" indent="-228600" algn="l" defTabSz="914400" rtl="0" eaLnBrk="1" latinLnBrk="1" hangingPunct="1">
+              <a:lnSpc>
+                <a:spcPct val="90000"/>
+              </a:lnSpc>
+              <a:spcBef>
+                <a:spcPts val="500"/>
+              </a:spcBef>
+              <a:buFont typeface="Arial" panose="020B0604020202020204" pitchFamily="34" charset="0"/>
+              <a:buChar char="•"/>
+              <a:defRPr sz="1800" kern="1200">
+                <a:solidFill>
+                  <a:schemeClr val="tx1">
+                    <a:lumMod val="75000"/>
+                    <a:lumOff val="25000"/>
+                  </a:schemeClr>
+                </a:solidFill>
+                <a:latin typeface="맑은 고딕" panose="020B0503020000020004" pitchFamily="50" charset="-127"/>
+                <a:ea typeface="맑은 고딕" panose="020B0503020000020004" pitchFamily="50" charset="-127"/>
+                <a:cs typeface="+mn-cs"/>
+              </a:defRPr>
+            </a:lvl4pPr>
+            <a:lvl5pPr marL="2057400" indent="-228600" algn="l" defTabSz="914400" rtl="0" eaLnBrk="1" latinLnBrk="1" hangingPunct="1">
+              <a:lnSpc>
+                <a:spcPct val="90000"/>
+              </a:lnSpc>
+              <a:spcBef>
+                <a:spcPts val="500"/>
+              </a:spcBef>
+              <a:buFont typeface="Arial" panose="020B0604020202020204" pitchFamily="34" charset="0"/>
+              <a:buChar char="•"/>
+              <a:defRPr sz="1800" kern="1200">
+                <a:solidFill>
+                  <a:schemeClr val="tx1">
+                    <a:lumMod val="75000"/>
+                    <a:lumOff val="25000"/>
+                  </a:schemeClr>
+                </a:solidFill>
+                <a:latin typeface="맑은 고딕" panose="020B0503020000020004" pitchFamily="50" charset="-127"/>
+                <a:ea typeface="맑은 고딕" panose="020B0503020000020004" pitchFamily="50" charset="-127"/>
+                <a:cs typeface="+mn-cs"/>
+              </a:defRPr>
+            </a:lvl5pPr>
+            <a:lvl6pPr marL="2514600" indent="-228600" algn="l" defTabSz="914400" rtl="0" eaLnBrk="1" latinLnBrk="1" hangingPunct="1">
+              <a:lnSpc>
+                <a:spcPct val="90000"/>
+              </a:lnSpc>
+              <a:spcBef>
+                <a:spcPts val="500"/>
+              </a:spcBef>
+              <a:buFont typeface="Arial" panose="020B0604020202020204" pitchFamily="34" charset="0"/>
+              <a:buChar char="•"/>
+              <a:defRPr sz="1800" kern="1200">
+                <a:solidFill>
+                  <a:schemeClr val="tx1"/>
+                </a:solidFill>
+                <a:latin typeface="+mn-lt"/>
+                <a:ea typeface="+mn-ea"/>
+                <a:cs typeface="+mn-cs"/>
+              </a:defRPr>
+            </a:lvl6pPr>
+            <a:lvl7pPr marL="2971800" indent="-228600" algn="l" defTabSz="914400" rtl="0" eaLnBrk="1" latinLnBrk="1" hangingPunct="1">
+              <a:lnSpc>
+                <a:spcPct val="90000"/>
+              </a:lnSpc>
+              <a:spcBef>
+                <a:spcPts val="500"/>
+              </a:spcBef>
+              <a:buFont typeface="Arial" panose="020B0604020202020204" pitchFamily="34" charset="0"/>
+              <a:buChar char="•"/>
+              <a:defRPr sz="1800" kern="1200">
+                <a:solidFill>
+                  <a:schemeClr val="tx1"/>
+                </a:solidFill>
+                <a:latin typeface="+mn-lt"/>
+                <a:ea typeface="+mn-ea"/>
+                <a:cs typeface="+mn-cs"/>
+              </a:defRPr>
+            </a:lvl7pPr>
+            <a:lvl8pPr marL="3429000" indent="-228600" algn="l" defTabSz="914400" rtl="0" eaLnBrk="1" latinLnBrk="1" hangingPunct="1">
+              <a:lnSpc>
+                <a:spcPct val="90000"/>
+              </a:lnSpc>
+              <a:spcBef>
+                <a:spcPts val="500"/>
+              </a:spcBef>
+              <a:buFont typeface="Arial" panose="020B0604020202020204" pitchFamily="34" charset="0"/>
+              <a:buChar char="•"/>
+              <a:defRPr sz="1800" kern="1200">
+                <a:solidFill>
+                  <a:schemeClr val="tx1"/>
+                </a:solidFill>
+                <a:latin typeface="+mn-lt"/>
+                <a:ea typeface="+mn-ea"/>
+                <a:cs typeface="+mn-cs"/>
+              </a:defRPr>
+            </a:lvl8pPr>
+            <a:lvl9pPr marL="3886200" indent="-228600" algn="l" defTabSz="914400" rtl="0" eaLnBrk="1" latinLnBrk="1" hangingPunct="1">
+              <a:lnSpc>
+                <a:spcPct val="90000"/>
+              </a:lnSpc>
+              <a:spcBef>
+                <a:spcPts val="500"/>
+              </a:spcBef>
+              <a:buFont typeface="Arial" panose="020B0604020202020204" pitchFamily="34" charset="0"/>
+              <a:buChar char="•"/>
+              <a:defRPr sz="1800" kern="1200">
+                <a:solidFill>
+                  <a:schemeClr val="tx1"/>
+                </a:solidFill>
+                <a:latin typeface="+mn-lt"/>
+                <a:ea typeface="+mn-ea"/>
+                <a:cs typeface="+mn-cs"/>
+              </a:defRPr>
+            </a:lvl9pPr>
+          </a:lstStyle>
+          <a:p>
+            <a:r>
+              <a:rPr lang="ko-KR" altLang="en-US" sz="2500" dirty="0"/>
+              <a:t>개선 후 </a:t>
+            </a:r>
+            <a:r>
+              <a:rPr lang="en-US" altLang="ko-KR" sz="2500" dirty="0"/>
+              <a:t>CS, </a:t>
+            </a:r>
+            <a:r>
+              <a:rPr lang="ko-KR" altLang="en-US" sz="2500" dirty="0"/>
+              <a:t>디자인</a:t>
+            </a:r>
+          </a:p>
+        </p:txBody>
+      </p:sp>
+      <p:sp>
+        <p:nvSpPr>
+          <p:cNvPr id="9" name="텍스트 개체 틀 9">
+            <a:extLst>
+              <a:ext uri="{FF2B5EF4-FFF2-40B4-BE49-F238E27FC236}">
+                <a16:creationId xmlns:a16="http://schemas.microsoft.com/office/drawing/2014/main" id="{ECEA1D45-D6E7-B8BF-A091-20D5A2161CC6}"/>
+              </a:ext>
+            </a:extLst>
+          </p:cNvPr>
+          <p:cNvSpPr txBox="1">
+            <a:spLocks/>
+          </p:cNvSpPr>
+          <p:nvPr/>
+        </p:nvSpPr>
+        <p:spPr>
+          <a:xfrm>
+            <a:off x="5985020" y="4711429"/>
+            <a:ext cx="5539095" cy="1010842"/>
+          </a:xfrm>
+          <a:prstGeom prst="rect">
+            <a:avLst/>
+          </a:prstGeom>
+        </p:spPr>
+        <p:txBody>
+          <a:bodyPr vert="horz" lIns="91440" tIns="45720" rIns="91440" bIns="45720" rtlCol="0" anchor="t">
+            <a:normAutofit/>
+          </a:bodyPr>
+          <a:lstStyle>
+            <a:lvl1pPr marL="0" indent="0" algn="l" defTabSz="914400" rtl="0" eaLnBrk="1" latinLnBrk="1" hangingPunct="1">
+              <a:lnSpc>
+                <a:spcPct val="100000"/>
+              </a:lnSpc>
+              <a:spcBef>
+                <a:spcPts val="1000"/>
+              </a:spcBef>
+              <a:buFont typeface="Arial" panose="020B0604020202020204" pitchFamily="34" charset="0"/>
+              <a:buNone/>
+              <a:defRPr sz="1400" kern="1200" spc="50" baseline="0">
+                <a:solidFill>
+                  <a:schemeClr val="tx1">
+                    <a:lumMod val="75000"/>
+                    <a:lumOff val="25000"/>
+                  </a:schemeClr>
+                </a:solidFill>
+                <a:latin typeface="맑은 고딕" panose="020B0503020000020004" pitchFamily="50" charset="-127"/>
+                <a:ea typeface="맑은 고딕" panose="020B0503020000020004" pitchFamily="50" charset="-127"/>
+                <a:cs typeface="+mn-cs"/>
+              </a:defRPr>
+            </a:lvl1pPr>
+            <a:lvl2pPr marL="685800" indent="-228600" algn="l" defTabSz="914400" rtl="0" eaLnBrk="1" latinLnBrk="1" hangingPunct="1">
+              <a:lnSpc>
+                <a:spcPct val="90000"/>
+              </a:lnSpc>
+              <a:spcBef>
+                <a:spcPts val="500"/>
+              </a:spcBef>
+              <a:buFont typeface="Arial" panose="020B0604020202020204" pitchFamily="34" charset="0"/>
+              <a:buChar char="•"/>
+              <a:defRPr sz="2400" kern="1200">
+                <a:solidFill>
+                  <a:schemeClr val="tx1">
+                    <a:lumMod val="75000"/>
+                    <a:lumOff val="25000"/>
+                  </a:schemeClr>
+                </a:solidFill>
+                <a:latin typeface="맑은 고딕" panose="020B0503020000020004" pitchFamily="50" charset="-127"/>
+                <a:ea typeface="맑은 고딕" panose="020B0503020000020004" pitchFamily="50" charset="-127"/>
+                <a:cs typeface="+mn-cs"/>
+              </a:defRPr>
+            </a:lvl2pPr>
+            <a:lvl3pPr marL="1143000" indent="-228600" algn="l" defTabSz="914400" rtl="0" eaLnBrk="1" latinLnBrk="1" hangingPunct="1">
+              <a:lnSpc>
+                <a:spcPct val="90000"/>
+              </a:lnSpc>
+              <a:spcBef>
+                <a:spcPts val="500"/>
+              </a:spcBef>
+              <a:buFont typeface="Arial" panose="020B0604020202020204" pitchFamily="34" charset="0"/>
+              <a:buChar char="•"/>
+              <a:defRPr sz="2000" kern="1200">
+                <a:solidFill>
+                  <a:schemeClr val="tx1">
+                    <a:lumMod val="75000"/>
+                    <a:lumOff val="25000"/>
+                  </a:schemeClr>
+                </a:solidFill>
+                <a:latin typeface="맑은 고딕" panose="020B0503020000020004" pitchFamily="50" charset="-127"/>
+                <a:ea typeface="맑은 고딕" panose="020B0503020000020004" pitchFamily="50" charset="-127"/>
+                <a:cs typeface="+mn-cs"/>
+              </a:defRPr>
+            </a:lvl3pPr>
+            <a:lvl4pPr marL="1600200" indent="-228600" algn="l" defTabSz="914400" rtl="0" eaLnBrk="1" latinLnBrk="1" hangingPunct="1">
+              <a:lnSpc>
+                <a:spcPct val="90000"/>
+              </a:lnSpc>
+              <a:spcBef>
+                <a:spcPts val="500"/>
+              </a:spcBef>
+              <a:buFont typeface="Arial" panose="020B0604020202020204" pitchFamily="34" charset="0"/>
+              <a:buChar char="•"/>
+              <a:defRPr sz="1800" kern="1200">
+                <a:solidFill>
+                  <a:schemeClr val="tx1">
+                    <a:lumMod val="75000"/>
+                    <a:lumOff val="25000"/>
+                  </a:schemeClr>
+                </a:solidFill>
+                <a:latin typeface="맑은 고딕" panose="020B0503020000020004" pitchFamily="50" charset="-127"/>
+                <a:ea typeface="맑은 고딕" panose="020B0503020000020004" pitchFamily="50" charset="-127"/>
+                <a:cs typeface="+mn-cs"/>
+              </a:defRPr>
+            </a:lvl4pPr>
+            <a:lvl5pPr marL="2057400" indent="-228600" algn="l" defTabSz="914400" rtl="0" eaLnBrk="1" latinLnBrk="1" hangingPunct="1">
+              <a:lnSpc>
+                <a:spcPct val="90000"/>
+              </a:lnSpc>
+              <a:spcBef>
+                <a:spcPts val="500"/>
+              </a:spcBef>
+              <a:buFont typeface="Arial" panose="020B0604020202020204" pitchFamily="34" charset="0"/>
+              <a:buChar char="•"/>
+              <a:defRPr sz="1800" kern="1200">
+                <a:solidFill>
+                  <a:schemeClr val="tx1">
+                    <a:lumMod val="75000"/>
+                    <a:lumOff val="25000"/>
+                  </a:schemeClr>
+                </a:solidFill>
+                <a:latin typeface="맑은 고딕" panose="020B0503020000020004" pitchFamily="50" charset="-127"/>
+                <a:ea typeface="맑은 고딕" panose="020B0503020000020004" pitchFamily="50" charset="-127"/>
+                <a:cs typeface="+mn-cs"/>
+              </a:defRPr>
+            </a:lvl5pPr>
+            <a:lvl6pPr marL="2514600" indent="-228600" algn="l" defTabSz="914400" rtl="0" eaLnBrk="1" latinLnBrk="1" hangingPunct="1">
+              <a:lnSpc>
+                <a:spcPct val="90000"/>
+              </a:lnSpc>
+              <a:spcBef>
+                <a:spcPts val="500"/>
+              </a:spcBef>
+              <a:buFont typeface="Arial" panose="020B0604020202020204" pitchFamily="34" charset="0"/>
+              <a:buChar char="•"/>
+              <a:defRPr sz="1800" kern="1200">
+                <a:solidFill>
+                  <a:schemeClr val="tx1"/>
+                </a:solidFill>
+                <a:latin typeface="+mn-lt"/>
+                <a:ea typeface="+mn-ea"/>
+                <a:cs typeface="+mn-cs"/>
+              </a:defRPr>
+            </a:lvl6pPr>
+            <a:lvl7pPr marL="2971800" indent="-228600" algn="l" defTabSz="914400" rtl="0" eaLnBrk="1" latinLnBrk="1" hangingPunct="1">
+              <a:lnSpc>
+                <a:spcPct val="90000"/>
+              </a:lnSpc>
+              <a:spcBef>
+                <a:spcPts val="500"/>
+              </a:spcBef>
+              <a:buFont typeface="Arial" panose="020B0604020202020204" pitchFamily="34" charset="0"/>
+              <a:buChar char="•"/>
+              <a:defRPr sz="1800" kern="1200">
+                <a:solidFill>
+                  <a:schemeClr val="tx1"/>
+                </a:solidFill>
+                <a:latin typeface="+mn-lt"/>
+                <a:ea typeface="+mn-ea"/>
+                <a:cs typeface="+mn-cs"/>
+              </a:defRPr>
+            </a:lvl7pPr>
+            <a:lvl8pPr marL="3429000" indent="-228600" algn="l" defTabSz="914400" rtl="0" eaLnBrk="1" latinLnBrk="1" hangingPunct="1">
+              <a:lnSpc>
+                <a:spcPct val="90000"/>
+              </a:lnSpc>
+              <a:spcBef>
+                <a:spcPts val="500"/>
+              </a:spcBef>
+              <a:buFont typeface="Arial" panose="020B0604020202020204" pitchFamily="34" charset="0"/>
+              <a:buChar char="•"/>
+              <a:defRPr sz="1800" kern="1200">
+                <a:solidFill>
+                  <a:schemeClr val="tx1"/>
+                </a:solidFill>
+                <a:latin typeface="+mn-lt"/>
+                <a:ea typeface="+mn-ea"/>
+                <a:cs typeface="+mn-cs"/>
+              </a:defRPr>
+            </a:lvl8pPr>
+            <a:lvl9pPr marL="3886200" indent="-228600" algn="l" defTabSz="914400" rtl="0" eaLnBrk="1" latinLnBrk="1" hangingPunct="1">
+              <a:lnSpc>
+                <a:spcPct val="90000"/>
+              </a:lnSpc>
+              <a:spcBef>
+                <a:spcPts val="500"/>
+              </a:spcBef>
+              <a:buFont typeface="Arial" panose="020B0604020202020204" pitchFamily="34" charset="0"/>
+              <a:buChar char="•"/>
+              <a:defRPr sz="1800" kern="1200">
+                <a:solidFill>
+                  <a:schemeClr val="tx1"/>
+                </a:solidFill>
+                <a:latin typeface="+mn-lt"/>
+                <a:ea typeface="+mn-ea"/>
+                <a:cs typeface="+mn-cs"/>
+              </a:defRPr>
+            </a:lvl9pPr>
+          </a:lstStyle>
+          <a:p>
+            <a:r>
+              <a:rPr lang="ko-KR" altLang="en-US" sz="2500" dirty="0"/>
+              <a:t>출처</a:t>
+            </a:r>
+          </a:p>
+        </p:txBody>
+      </p:sp>
     </p:spTree>
     <p:extLst>
       <p:ext uri="{BB962C8B-B14F-4D97-AF65-F5344CB8AC3E}">
-        <p14:creationId xmlns:p14="http://schemas.microsoft.com/office/powerpoint/2010/main" val="1738561688"/>
+        <p14:creationId xmlns:p14="http://schemas.microsoft.com/office/powerpoint/2010/main" val="3852078836"/>
       </p:ext>
     </p:extLst>
   </p:cSld>
@@ -18314,7 +19840,7 @@
           <p:cNvPr id="2" name="제목 1">
             <a:extLst>
               <a:ext uri="{FF2B5EF4-FFF2-40B4-BE49-F238E27FC236}">
-                <a16:creationId xmlns:a16="http://schemas.microsoft.com/office/drawing/2014/main" id="{75031FE9-9059-4FE8-B4AC-9771F23A1B89}"/>
+                <a16:creationId xmlns:a16="http://schemas.microsoft.com/office/drawing/2014/main" id="{67708C79-A4AC-4B5D-92DF-600737E4D11A}"/>
               </a:ext>
             </a:extLst>
           </p:cNvPr>
@@ -18327,8 +19853,8 @@
         </p:nvSpPr>
         <p:spPr>
           <a:xfrm>
-            <a:off x="1885156" y="246107"/>
-            <a:ext cx="8421688" cy="1325563"/>
+            <a:off x="547008" y="487164"/>
+            <a:ext cx="4082142" cy="585788"/>
           </a:xfrm>
         </p:spPr>
         <p:txBody>
@@ -18338,11 +19864,11 @@
             <a:pPr rtl="0"/>
             <a:r>
               <a:rPr lang="ko-KR" altLang="en-US" dirty="0"/>
-              <a:t>원본 </a:t>
+              <a:t>가게에서 왜 필요한가</a:t>
             </a:r>
             <a:r>
               <a:rPr lang="en-US" altLang="ko-KR" dirty="0"/>
-              <a:t>FORM</a:t>
+              <a:t>?</a:t>
             </a:r>
             <a:endParaRPr lang="ko-KR" altLang="en-US" dirty="0"/>
           </a:p>
@@ -18350,24 +19876,185 @@
       </p:sp>
       <p:sp>
         <p:nvSpPr>
-          <p:cNvPr id="82" name="슬라이드 번호 개체 틀 81">
-            <a:extLst>
-              <a:ext uri="{FF2B5EF4-FFF2-40B4-BE49-F238E27FC236}">
-                <a16:creationId xmlns:a16="http://schemas.microsoft.com/office/drawing/2014/main" id="{CE36A058-BEC2-4BC5-A467-F2EB2A365051}"/>
-              </a:ext>
-            </a:extLst>
-          </p:cNvPr>
-          <p:cNvSpPr>
-            <a:spLocks noGrp="1"/>
-          </p:cNvSpPr>
-          <p:nvPr>
-            <p:ph type="sldNum" sz="quarter" idx="22"/>
-          </p:nvPr>
-        </p:nvSpPr>
-        <p:spPr>
-          <a:xfrm>
-            <a:off x="8610600" y="6356350"/>
-            <a:ext cx="2743200" cy="365125"/>
+          <p:cNvPr id="4" name="텍스트 개체 틀 3">
+            <a:extLst>
+              <a:ext uri="{FF2B5EF4-FFF2-40B4-BE49-F238E27FC236}">
+                <a16:creationId xmlns:a16="http://schemas.microsoft.com/office/drawing/2014/main" id="{F5FF1291-56EB-4A7B-A198-1D91F9ECC5D3}"/>
+              </a:ext>
+            </a:extLst>
+          </p:cNvPr>
+          <p:cNvSpPr>
+            <a:spLocks noGrp="1"/>
+          </p:cNvSpPr>
+          <p:nvPr>
+            <p:ph type="body" sz="quarter" idx="14"/>
+          </p:nvPr>
+        </p:nvSpPr>
+        <p:spPr>
+          <a:xfrm>
+            <a:off x="446315" y="1498006"/>
+            <a:ext cx="2141764" cy="514350"/>
+          </a:xfrm>
+        </p:spPr>
+        <p:txBody>
+          <a:bodyPr rtlCol="0"/>
+          <a:lstStyle/>
+          <a:p>
+            <a:pPr rtl="0"/>
+            <a:r>
+              <a:rPr lang="ko-KR" altLang="en-US" sz="2500" dirty="0"/>
+              <a:t>고객</a:t>
+            </a:r>
+          </a:p>
+        </p:txBody>
+      </p:sp>
+      <p:sp>
+        <p:nvSpPr>
+          <p:cNvPr id="6" name="텍스트 개체 틀 5">
+            <a:extLst>
+              <a:ext uri="{FF2B5EF4-FFF2-40B4-BE49-F238E27FC236}">
+                <a16:creationId xmlns:a16="http://schemas.microsoft.com/office/drawing/2014/main" id="{5C594564-4FC6-401A-8586-44735EE819EC}"/>
+              </a:ext>
+            </a:extLst>
+          </p:cNvPr>
+          <p:cNvSpPr>
+            <a:spLocks noGrp="1"/>
+          </p:cNvSpPr>
+          <p:nvPr>
+            <p:ph type="body" sz="quarter" idx="16"/>
+          </p:nvPr>
+        </p:nvSpPr>
+        <p:spPr>
+          <a:xfrm>
+            <a:off x="981269" y="2630551"/>
+            <a:ext cx="2141764" cy="514350"/>
+          </a:xfrm>
+        </p:spPr>
+        <p:txBody>
+          <a:bodyPr rtlCol="0"/>
+          <a:lstStyle/>
+          <a:p>
+            <a:pPr rtl="0"/>
+            <a:r>
+              <a:rPr lang="ko-KR" altLang="en-US" sz="2500" dirty="0"/>
+              <a:t>비용</a:t>
+            </a:r>
+          </a:p>
+        </p:txBody>
+      </p:sp>
+      <p:sp>
+        <p:nvSpPr>
+          <p:cNvPr id="8" name="텍스트 개체 틀 7">
+            <a:extLst>
+              <a:ext uri="{FF2B5EF4-FFF2-40B4-BE49-F238E27FC236}">
+                <a16:creationId xmlns:a16="http://schemas.microsoft.com/office/drawing/2014/main" id="{B46CE8C6-E12D-4A0D-8553-7FFA31941D56}"/>
+              </a:ext>
+            </a:extLst>
+          </p:cNvPr>
+          <p:cNvSpPr>
+            <a:spLocks noGrp="1"/>
+          </p:cNvSpPr>
+          <p:nvPr>
+            <p:ph type="body" sz="quarter" idx="18"/>
+          </p:nvPr>
+        </p:nvSpPr>
+        <p:spPr>
+          <a:xfrm>
+            <a:off x="4118281" y="1498006"/>
+            <a:ext cx="6509286" cy="1010842"/>
+          </a:xfrm>
+        </p:spPr>
+        <p:txBody>
+          <a:bodyPr rtlCol="0">
+            <a:noAutofit/>
+          </a:bodyPr>
+          <a:lstStyle/>
+          <a:p>
+            <a:pPr rtl="0"/>
+            <a:r>
+              <a:rPr lang="ko-KR" altLang="en-US" sz="2000" dirty="0"/>
+              <a:t>고객은 보통 대형마트를 올 때 차를 타고 오기 때문에 주차 공간이 필요하다</a:t>
+            </a:r>
+            <a:r>
+              <a:rPr lang="en-US" altLang="ko-KR" sz="2000" dirty="0"/>
+              <a:t>.</a:t>
+            </a:r>
+            <a:r>
+              <a:rPr lang="ko-KR" altLang="en-US" sz="2000" dirty="0"/>
+              <a:t> </a:t>
+            </a:r>
+          </a:p>
+        </p:txBody>
+      </p:sp>
+      <p:sp>
+        <p:nvSpPr>
+          <p:cNvPr id="10" name="텍스트 개체 틀 9">
+            <a:extLst>
+              <a:ext uri="{FF2B5EF4-FFF2-40B4-BE49-F238E27FC236}">
+                <a16:creationId xmlns:a16="http://schemas.microsoft.com/office/drawing/2014/main" id="{02D305EF-9A88-496B-BFC1-D589A01EE381}"/>
+              </a:ext>
+            </a:extLst>
+          </p:cNvPr>
+          <p:cNvSpPr>
+            <a:spLocks noGrp="1"/>
+          </p:cNvSpPr>
+          <p:nvPr>
+            <p:ph type="body" sz="quarter" idx="20"/>
+          </p:nvPr>
+        </p:nvSpPr>
+        <p:spPr>
+          <a:xfrm>
+            <a:off x="4733730" y="2508848"/>
+            <a:ext cx="6509286" cy="1010842"/>
+          </a:xfrm>
+        </p:spPr>
+        <p:txBody>
+          <a:bodyPr rtlCol="0">
+            <a:noAutofit/>
+          </a:bodyPr>
+          <a:lstStyle/>
+          <a:p>
+            <a:pPr rtl="0"/>
+            <a:r>
+              <a:rPr lang="ko-KR" altLang="en-US" sz="2000" dirty="0"/>
+              <a:t>예약금을 받고 예약 후 </a:t>
+            </a:r>
+            <a:r>
+              <a:rPr lang="en-US" altLang="ko-KR" sz="2000" dirty="0"/>
+              <a:t>20</a:t>
+            </a:r>
+            <a:r>
+              <a:rPr lang="ko-KR" altLang="en-US" sz="2000" dirty="0"/>
+              <a:t>분 이내로 온다면 예약금을 마트에서 사용 가능하게 하면 오히려 수익이 날 수 있다</a:t>
+            </a:r>
+            <a:r>
+              <a:rPr lang="en-US" altLang="ko-KR" sz="2000" dirty="0"/>
+              <a:t>.</a:t>
+            </a:r>
+            <a:endParaRPr lang="ko-KR" altLang="en-US" sz="2000" dirty="0"/>
+          </a:p>
+        </p:txBody>
+      </p:sp>
+      <p:sp>
+        <p:nvSpPr>
+          <p:cNvPr id="13" name="슬라이드 번호 개체 틀 12">
+            <a:extLst>
+              <a:ext uri="{FF2B5EF4-FFF2-40B4-BE49-F238E27FC236}">
+                <a16:creationId xmlns:a16="http://schemas.microsoft.com/office/drawing/2014/main" id="{E3984D70-BD95-4E1F-9725-902B5D74DED6}"/>
+              </a:ext>
+            </a:extLst>
+          </p:cNvPr>
+          <p:cNvSpPr>
+            <a:spLocks noGrp="1"/>
+          </p:cNvSpPr>
+          <p:nvPr>
+            <p:ph type="sldNum" sz="quarter" idx="12"/>
+          </p:nvPr>
+        </p:nvSpPr>
+        <p:spPr>
+          <a:xfrm>
+            <a:off x="10810874" y="6356350"/>
+            <a:ext cx="542925" cy="365125"/>
           </a:xfrm>
         </p:spPr>
         <p:txBody>
@@ -18384,40 +20071,10 @@
           </a:p>
         </p:txBody>
       </p:sp>
-      <p:pic>
-        <p:nvPicPr>
-          <p:cNvPr id="28" name="그림 27" descr="스크린샷, 디스플레이, 소프트웨어, 직사각형이(가) 표시된 사진&#10;&#10;자동 생성된 설명">
-            <a:extLst>
-              <a:ext uri="{FF2B5EF4-FFF2-40B4-BE49-F238E27FC236}">
-                <a16:creationId xmlns:a16="http://schemas.microsoft.com/office/drawing/2014/main" id="{72F43EF0-2F81-5725-DA19-EE052AB75A00}"/>
-              </a:ext>
-            </a:extLst>
-          </p:cNvPr>
-          <p:cNvPicPr>
-            <a:picLocks noChangeAspect="1"/>
-          </p:cNvPicPr>
-          <p:nvPr/>
-        </p:nvPicPr>
-        <p:blipFill>
-          <a:blip r:embed="rId3"/>
-          <a:stretch>
-            <a:fillRect/>
-          </a:stretch>
-        </p:blipFill>
-        <p:spPr>
-          <a:xfrm>
-            <a:off x="1127126" y="1257530"/>
-            <a:ext cx="9937748" cy="5098820"/>
-          </a:xfrm>
-          <a:prstGeom prst="rect">
-            <a:avLst/>
-          </a:prstGeom>
-        </p:spPr>
-      </p:pic>
     </p:spTree>
     <p:extLst>
       <p:ext uri="{BB962C8B-B14F-4D97-AF65-F5344CB8AC3E}">
-        <p14:creationId xmlns:p14="http://schemas.microsoft.com/office/powerpoint/2010/main" val="1593920805"/>
+        <p14:creationId xmlns:p14="http://schemas.microsoft.com/office/powerpoint/2010/main" val="1738561688"/>
       </p:ext>
     </p:extLst>
   </p:cSld>
@@ -18462,7 +20119,7 @@
         </p:nvSpPr>
         <p:spPr>
           <a:xfrm>
-            <a:off x="1885156" y="79576"/>
+            <a:off x="1885156" y="246107"/>
             <a:ext cx="8421688" cy="1325563"/>
           </a:xfrm>
         </p:spPr>
@@ -18477,12 +20134,9 @@
             </a:r>
             <a:r>
               <a:rPr lang="en-US" altLang="ko-KR" dirty="0"/>
-              <a:t>cs,</a:t>
-            </a:r>
-            <a:r>
-              <a:rPr lang="ko-KR" altLang="en-US" dirty="0"/>
-              <a:t> 디자인</a:t>
-            </a:r>
+              <a:t>FORM</a:t>
+            </a:r>
+            <a:endParaRPr lang="ko-KR" altLang="en-US" dirty="0"/>
           </a:p>
         </p:txBody>
       </p:sp>
@@ -18524,10 +20178,10 @@
       </p:sp>
       <p:pic>
         <p:nvPicPr>
-          <p:cNvPr id="4" name="그림 3" descr="텍스트, 스크린샷이(가) 표시된 사진&#10;&#10;자동 생성된 설명">
-            <a:extLst>
-              <a:ext uri="{FF2B5EF4-FFF2-40B4-BE49-F238E27FC236}">
-                <a16:creationId xmlns:a16="http://schemas.microsoft.com/office/drawing/2014/main" id="{0E8F9701-38EC-E1D3-F270-78AB15FC6E1C}"/>
+          <p:cNvPr id="28" name="그림 27" descr="스크린샷, 디스플레이, 소프트웨어, 직사각형이(가) 표시된 사진&#10;&#10;자동 생성된 설명">
+            <a:extLst>
+              <a:ext uri="{FF2B5EF4-FFF2-40B4-BE49-F238E27FC236}">
+                <a16:creationId xmlns:a16="http://schemas.microsoft.com/office/drawing/2014/main" id="{72F43EF0-2F81-5725-DA19-EE052AB75A00}"/>
               </a:ext>
             </a:extLst>
           </p:cNvPr>
@@ -18544,38 +20198,8 @@
         </p:blipFill>
         <p:spPr>
           <a:xfrm>
-            <a:off x="216228" y="1449844"/>
-            <a:ext cx="6404607" cy="3712706"/>
-          </a:xfrm>
-          <a:prstGeom prst="rect">
-            <a:avLst/>
-          </a:prstGeom>
-        </p:spPr>
-      </p:pic>
-      <p:pic>
-        <p:nvPicPr>
-          <p:cNvPr id="6" name="그림 5" descr="텍스트, 디스플레이, 스크린샷, 소프트웨어이(가) 표시된 사진&#10;&#10;자동 생성된 설명">
-            <a:extLst>
-              <a:ext uri="{FF2B5EF4-FFF2-40B4-BE49-F238E27FC236}">
-                <a16:creationId xmlns:a16="http://schemas.microsoft.com/office/drawing/2014/main" id="{11DBAA02-5611-3FB3-902F-3FFB9F2DC87F}"/>
-              </a:ext>
-            </a:extLst>
-          </p:cNvPr>
-          <p:cNvPicPr>
-            <a:picLocks noChangeAspect="1"/>
-          </p:cNvPicPr>
-          <p:nvPr/>
-        </p:nvPicPr>
-        <p:blipFill>
-          <a:blip r:embed="rId4"/>
-          <a:stretch>
-            <a:fillRect/>
-          </a:stretch>
-        </p:blipFill>
-        <p:spPr>
-          <a:xfrm>
-            <a:off x="6792926" y="1228670"/>
-            <a:ext cx="5087596" cy="4155054"/>
+            <a:off x="1127126" y="1257530"/>
+            <a:ext cx="9937748" cy="5098820"/>
           </a:xfrm>
           <a:prstGeom prst="rect">
             <a:avLst/>
@@ -18585,7 +20209,7 @@
     </p:spTree>
     <p:extLst>
       <p:ext uri="{BB962C8B-B14F-4D97-AF65-F5344CB8AC3E}">
-        <p14:creationId xmlns:p14="http://schemas.microsoft.com/office/powerpoint/2010/main" val="987492359"/>
+        <p14:creationId xmlns:p14="http://schemas.microsoft.com/office/powerpoint/2010/main" val="1593920805"/>
       </p:ext>
     </p:extLst>
   </p:cSld>
@@ -18630,7 +20254,7 @@
         </p:nvSpPr>
         <p:spPr>
           <a:xfrm>
-            <a:off x="1757459" y="0"/>
+            <a:off x="1885156" y="79576"/>
             <a:ext cx="8421688" cy="1325563"/>
           </a:xfrm>
         </p:spPr>
@@ -18641,13 +20265,16 @@
             <a:pPr rtl="0"/>
             <a:r>
               <a:rPr lang="ko-KR" altLang="en-US" dirty="0"/>
-              <a:t>내가 만든 </a:t>
+              <a:t>원본 </a:t>
             </a:r>
             <a:r>
               <a:rPr lang="en-US" altLang="ko-KR" dirty="0"/>
-              <a:t>FORM</a:t>
-            </a:r>
-            <a:endParaRPr lang="ko-KR" altLang="en-US" dirty="0"/>
+              <a:t>cs,</a:t>
+            </a:r>
+            <a:r>
+              <a:rPr lang="ko-KR" altLang="en-US" dirty="0"/>
+              <a:t> 디자인</a:t>
+            </a:r>
           </a:p>
         </p:txBody>
       </p:sp>
@@ -18689,10 +20316,10 @@
       </p:sp>
       <p:pic>
         <p:nvPicPr>
-          <p:cNvPr id="4" name="그림 3" descr="텍스트, 스크린샷, 디스플레이, 소프트웨어이(가) 표시된 사진&#10;&#10;자동 생성된 설명">
-            <a:extLst>
-              <a:ext uri="{FF2B5EF4-FFF2-40B4-BE49-F238E27FC236}">
-                <a16:creationId xmlns:a16="http://schemas.microsoft.com/office/drawing/2014/main" id="{BB16516D-0433-3437-E8E4-B582C9FD6477}"/>
+          <p:cNvPr id="4" name="그림 3" descr="텍스트, 스크린샷이(가) 표시된 사진&#10;&#10;자동 생성된 설명">
+            <a:extLst>
+              <a:ext uri="{FF2B5EF4-FFF2-40B4-BE49-F238E27FC236}">
+                <a16:creationId xmlns:a16="http://schemas.microsoft.com/office/drawing/2014/main" id="{0E8F9701-38EC-E1D3-F270-78AB15FC6E1C}"/>
               </a:ext>
             </a:extLst>
           </p:cNvPr>
@@ -18709,8 +20336,38 @@
         </p:blipFill>
         <p:spPr>
           <a:xfrm>
-            <a:off x="1757459" y="1224743"/>
-            <a:ext cx="8677081" cy="5131607"/>
+            <a:off x="216228" y="1449844"/>
+            <a:ext cx="6404607" cy="3712706"/>
+          </a:xfrm>
+          <a:prstGeom prst="rect">
+            <a:avLst/>
+          </a:prstGeom>
+        </p:spPr>
+      </p:pic>
+      <p:pic>
+        <p:nvPicPr>
+          <p:cNvPr id="6" name="그림 5" descr="텍스트, 디스플레이, 스크린샷, 소프트웨어이(가) 표시된 사진&#10;&#10;자동 생성된 설명">
+            <a:extLst>
+              <a:ext uri="{FF2B5EF4-FFF2-40B4-BE49-F238E27FC236}">
+                <a16:creationId xmlns:a16="http://schemas.microsoft.com/office/drawing/2014/main" id="{11DBAA02-5611-3FB3-902F-3FFB9F2DC87F}"/>
+              </a:ext>
+            </a:extLst>
+          </p:cNvPr>
+          <p:cNvPicPr>
+            <a:picLocks noChangeAspect="1"/>
+          </p:cNvPicPr>
+          <p:nvPr/>
+        </p:nvPicPr>
+        <p:blipFill>
+          <a:blip r:embed="rId4"/>
+          <a:stretch>
+            <a:fillRect/>
+          </a:stretch>
+        </p:blipFill>
+        <p:spPr>
+          <a:xfrm>
+            <a:off x="6792926" y="1228670"/>
+            <a:ext cx="5087596" cy="4155054"/>
           </a:xfrm>
           <a:prstGeom prst="rect">
             <a:avLst/>
@@ -18720,7 +20377,7 @@
     </p:spTree>
     <p:extLst>
       <p:ext uri="{BB962C8B-B14F-4D97-AF65-F5344CB8AC3E}">
-        <p14:creationId xmlns:p14="http://schemas.microsoft.com/office/powerpoint/2010/main" val="3509786689"/>
+        <p14:creationId xmlns:p14="http://schemas.microsoft.com/office/powerpoint/2010/main" val="987492359"/>
       </p:ext>
     </p:extLst>
   </p:cSld>
@@ -18765,7 +20422,7 @@
         </p:nvSpPr>
         <p:spPr>
           <a:xfrm>
-            <a:off x="1885156" y="136525"/>
+            <a:off x="1757459" y="0"/>
             <a:ext cx="8421688" cy="1325563"/>
           </a:xfrm>
         </p:spPr>
@@ -18824,10 +20481,10 @@
       </p:sp>
       <p:pic>
         <p:nvPicPr>
-          <p:cNvPr id="4" name="그림 3" descr="텍스트, 스크린샷, 폰트, 번호이(가) 표시된 사진&#10;&#10;자동 생성된 설명">
-            <a:extLst>
-              <a:ext uri="{FF2B5EF4-FFF2-40B4-BE49-F238E27FC236}">
-                <a16:creationId xmlns:a16="http://schemas.microsoft.com/office/drawing/2014/main" id="{F952E0C0-9969-133C-3C7E-5482BFFFE59E}"/>
+          <p:cNvPr id="4" name="그림 3" descr="텍스트, 스크린샷, 디스플레이, 소프트웨어이(가) 표시된 사진&#10;&#10;자동 생성된 설명">
+            <a:extLst>
+              <a:ext uri="{FF2B5EF4-FFF2-40B4-BE49-F238E27FC236}">
+                <a16:creationId xmlns:a16="http://schemas.microsoft.com/office/drawing/2014/main" id="{BB16516D-0433-3437-E8E4-B582C9FD6477}"/>
               </a:ext>
             </a:extLst>
           </p:cNvPr>
@@ -18844,8 +20501,8 @@
         </p:blipFill>
         <p:spPr>
           <a:xfrm>
-            <a:off x="1885156" y="1076263"/>
-            <a:ext cx="7498527" cy="5280087"/>
+            <a:off x="1757459" y="1224743"/>
+            <a:ext cx="8677081" cy="5131607"/>
           </a:xfrm>
           <a:prstGeom prst="rect">
             <a:avLst/>
@@ -18855,7 +20512,7 @@
     </p:spTree>
     <p:extLst>
       <p:ext uri="{BB962C8B-B14F-4D97-AF65-F5344CB8AC3E}">
-        <p14:creationId xmlns:p14="http://schemas.microsoft.com/office/powerpoint/2010/main" val="3850339513"/>
+        <p14:creationId xmlns:p14="http://schemas.microsoft.com/office/powerpoint/2010/main" val="3509786689"/>
       </p:ext>
     </p:extLst>
   </p:cSld>
@@ -18900,7 +20557,7 @@
         </p:nvSpPr>
         <p:spPr>
           <a:xfrm>
-            <a:off x="1885156" y="246107"/>
+            <a:off x="1885156" y="136525"/>
             <a:ext cx="8421688" cy="1325563"/>
           </a:xfrm>
         </p:spPr>
@@ -18959,10 +20616,10 @@
       </p:sp>
       <p:pic>
         <p:nvPicPr>
-          <p:cNvPr id="4" name="그림 3" descr="텍스트, 스크린샷, 번호, 폰트이(가) 표시된 사진&#10;&#10;자동 생성된 설명">
-            <a:extLst>
-              <a:ext uri="{FF2B5EF4-FFF2-40B4-BE49-F238E27FC236}">
-                <a16:creationId xmlns:a16="http://schemas.microsoft.com/office/drawing/2014/main" id="{14F69D21-6C65-4335-3B45-BBD5BCCE9688}"/>
+          <p:cNvPr id="4" name="그림 3" descr="텍스트, 스크린샷, 폰트, 번호이(가) 표시된 사진&#10;&#10;자동 생성된 설명">
+            <a:extLst>
+              <a:ext uri="{FF2B5EF4-FFF2-40B4-BE49-F238E27FC236}">
+                <a16:creationId xmlns:a16="http://schemas.microsoft.com/office/drawing/2014/main" id="{F952E0C0-9969-133C-3C7E-5482BFFFE59E}"/>
               </a:ext>
             </a:extLst>
           </p:cNvPr>
@@ -18979,38 +20636,8 @@
         </p:blipFill>
         <p:spPr>
           <a:xfrm>
-            <a:off x="90281" y="1495013"/>
-            <a:ext cx="6005719" cy="4861337"/>
-          </a:xfrm>
-          <a:prstGeom prst="rect">
-            <a:avLst/>
-          </a:prstGeom>
-        </p:spPr>
-      </p:pic>
-      <p:pic>
-        <p:nvPicPr>
-          <p:cNvPr id="6" name="그림 5" descr="텍스트, 스크린샷, 번호, 디스플레이이(가) 표시된 사진&#10;&#10;자동 생성된 설명">
-            <a:extLst>
-              <a:ext uri="{FF2B5EF4-FFF2-40B4-BE49-F238E27FC236}">
-                <a16:creationId xmlns:a16="http://schemas.microsoft.com/office/drawing/2014/main" id="{42158811-0E06-098D-BB0E-86068E9A132A}"/>
-              </a:ext>
-            </a:extLst>
-          </p:cNvPr>
-          <p:cNvPicPr>
-            <a:picLocks noChangeAspect="1"/>
-          </p:cNvPicPr>
-          <p:nvPr/>
-        </p:nvPicPr>
-        <p:blipFill>
-          <a:blip r:embed="rId4"/>
-          <a:stretch>
-            <a:fillRect/>
-          </a:stretch>
-        </p:blipFill>
-        <p:spPr>
-          <a:xfrm>
-            <a:off x="6075142" y="1495013"/>
-            <a:ext cx="6026577" cy="4861336"/>
+            <a:off x="1885156" y="1076263"/>
+            <a:ext cx="7498527" cy="5280087"/>
           </a:xfrm>
           <a:prstGeom prst="rect">
             <a:avLst/>
@@ -19020,7 +20647,7 @@
     </p:spTree>
     <p:extLst>
       <p:ext uri="{BB962C8B-B14F-4D97-AF65-F5344CB8AC3E}">
-        <p14:creationId xmlns:p14="http://schemas.microsoft.com/office/powerpoint/2010/main" val="939775037"/>
+        <p14:creationId xmlns:p14="http://schemas.microsoft.com/office/powerpoint/2010/main" val="3850339513"/>
       </p:ext>
     </p:extLst>
   </p:cSld>
@@ -19065,7 +20692,7 @@
         </p:nvSpPr>
         <p:spPr>
           <a:xfrm>
-            <a:off x="1885156" y="79576"/>
+            <a:off x="1885156" y="246107"/>
             <a:ext cx="8421688" cy="1325563"/>
           </a:xfrm>
         </p:spPr>
@@ -19080,7 +20707,7 @@
             </a:r>
             <a:r>
               <a:rPr lang="en-US" altLang="ko-KR" dirty="0"/>
-              <a:t>cs</a:t>
+              <a:t>FORM</a:t>
             </a:r>
             <a:endParaRPr lang="ko-KR" altLang="en-US" dirty="0"/>
           </a:p>
@@ -19124,10 +20751,10 @@
       </p:sp>
       <p:pic>
         <p:nvPicPr>
-          <p:cNvPr id="5" name="그림 4" descr="텍스트, 스크린샷, 폰트, 디자인이(가) 표시된 사진&#10;&#10;자동 생성된 설명">
-            <a:extLst>
-              <a:ext uri="{FF2B5EF4-FFF2-40B4-BE49-F238E27FC236}">
-                <a16:creationId xmlns:a16="http://schemas.microsoft.com/office/drawing/2014/main" id="{257FCE52-76CE-116B-EBA4-0B6FC1A6AAC5}"/>
+          <p:cNvPr id="4" name="그림 3" descr="텍스트, 스크린샷, 번호, 폰트이(가) 표시된 사진&#10;&#10;자동 생성된 설명">
+            <a:extLst>
+              <a:ext uri="{FF2B5EF4-FFF2-40B4-BE49-F238E27FC236}">
+                <a16:creationId xmlns:a16="http://schemas.microsoft.com/office/drawing/2014/main" id="{14F69D21-6C65-4335-3B45-BBD5BCCE9688}"/>
               </a:ext>
             </a:extLst>
           </p:cNvPr>
@@ -19144,8 +20771,8 @@
         </p:blipFill>
         <p:spPr>
           <a:xfrm>
-            <a:off x="147081" y="1211168"/>
-            <a:ext cx="5387807" cy="2847485"/>
+            <a:off x="90281" y="1495013"/>
+            <a:ext cx="6005719" cy="4861337"/>
           </a:xfrm>
           <a:prstGeom prst="rect">
             <a:avLst/>
@@ -19154,10 +20781,10 @@
       </p:pic>
       <p:pic>
         <p:nvPicPr>
-          <p:cNvPr id="8" name="그림 7" descr="텍스트, 스크린샷이(가) 표시된 사진&#10;&#10;자동 생성된 설명">
-            <a:extLst>
-              <a:ext uri="{FF2B5EF4-FFF2-40B4-BE49-F238E27FC236}">
-                <a16:creationId xmlns:a16="http://schemas.microsoft.com/office/drawing/2014/main" id="{741FB0D5-8AF1-D8CC-FD18-4F72B83CA104}"/>
+          <p:cNvPr id="6" name="그림 5" descr="텍스트, 스크린샷, 번호, 디스플레이이(가) 표시된 사진&#10;&#10;자동 생성된 설명">
+            <a:extLst>
+              <a:ext uri="{FF2B5EF4-FFF2-40B4-BE49-F238E27FC236}">
+                <a16:creationId xmlns:a16="http://schemas.microsoft.com/office/drawing/2014/main" id="{42158811-0E06-098D-BB0E-86068E9A132A}"/>
               </a:ext>
             </a:extLst>
           </p:cNvPr>
@@ -19174,8 +20801,8 @@
         </p:blipFill>
         <p:spPr>
           <a:xfrm>
-            <a:off x="5534888" y="1211168"/>
-            <a:ext cx="6657112" cy="5334011"/>
+            <a:off x="6075142" y="1495013"/>
+            <a:ext cx="6026577" cy="4861336"/>
           </a:xfrm>
           <a:prstGeom prst="rect">
             <a:avLst/>
@@ -19185,7 +20812,7 @@
     </p:spTree>
     <p:extLst>
       <p:ext uri="{BB962C8B-B14F-4D97-AF65-F5344CB8AC3E}">
-        <p14:creationId xmlns:p14="http://schemas.microsoft.com/office/powerpoint/2010/main" val="2579874489"/>
+        <p14:creationId xmlns:p14="http://schemas.microsoft.com/office/powerpoint/2010/main" val="939775037"/>
       </p:ext>
     </p:extLst>
   </p:cSld>
@@ -19217,21 +20844,21 @@
           <p:cNvPr id="2" name="제목 1">
             <a:extLst>
               <a:ext uri="{FF2B5EF4-FFF2-40B4-BE49-F238E27FC236}">
-                <a16:creationId xmlns:a16="http://schemas.microsoft.com/office/drawing/2014/main" id="{BCCAEE93-8585-46D4-A7EC-F184E317CB2E}"/>
-              </a:ext>
-            </a:extLst>
-          </p:cNvPr>
-          <p:cNvSpPr>
-            <a:spLocks noGrp="1"/>
-          </p:cNvSpPr>
-          <p:nvPr>
-            <p:ph type="ctrTitle"/>
-          </p:nvPr>
-        </p:nvSpPr>
-        <p:spPr>
-          <a:xfrm>
-            <a:off x="4463143" y="2119589"/>
-            <a:ext cx="4179570" cy="1524735"/>
+                <a16:creationId xmlns:a16="http://schemas.microsoft.com/office/drawing/2014/main" id="{75031FE9-9059-4FE8-B4AC-9771F23A1B89}"/>
+              </a:ext>
+            </a:extLst>
+          </p:cNvPr>
+          <p:cNvSpPr>
+            <a:spLocks noGrp="1"/>
+          </p:cNvSpPr>
+          <p:nvPr>
+            <p:ph type="title"/>
+          </p:nvPr>
+        </p:nvSpPr>
+        <p:spPr>
+          <a:xfrm>
+            <a:off x="1885156" y="79576"/>
+            <a:ext cx="8421688" cy="1325563"/>
           </a:xfrm>
         </p:spPr>
         <p:txBody>
@@ -19241,11 +20868,11 @@
             <a:pPr rtl="0"/>
             <a:r>
               <a:rPr lang="ko-KR" altLang="en-US" dirty="0"/>
-              <a:t>감사합니다</a:t>
+              <a:t>내가 만든 </a:t>
             </a:r>
             <a:r>
               <a:rPr lang="en-US" altLang="ko-KR" dirty="0"/>
-              <a:t>.</a:t>
+              <a:t>cs</a:t>
             </a:r>
             <a:endParaRPr lang="ko-KR" altLang="en-US" dirty="0"/>
           </a:p>
@@ -19253,96 +20880,24 @@
       </p:sp>
       <p:sp>
         <p:nvSpPr>
-          <p:cNvPr id="4" name="날짜 개체 틀 3">
-            <a:extLst>
-              <a:ext uri="{FF2B5EF4-FFF2-40B4-BE49-F238E27FC236}">
-                <a16:creationId xmlns:a16="http://schemas.microsoft.com/office/drawing/2014/main" id="{72DA7980-C870-4C9A-84FA-4120D8AF5DE8}"/>
-              </a:ext>
-            </a:extLst>
-          </p:cNvPr>
-          <p:cNvSpPr>
-            <a:spLocks noGrp="1"/>
-          </p:cNvSpPr>
-          <p:nvPr>
-            <p:ph type="dt" sz="half" idx="10"/>
-          </p:nvPr>
-        </p:nvSpPr>
-        <p:spPr>
-          <a:xfrm>
-            <a:off x="4267200" y="6356350"/>
-            <a:ext cx="1774371" cy="365125"/>
-          </a:xfrm>
-        </p:spPr>
-        <p:txBody>
-          <a:bodyPr rtlCol="0"/>
-          <a:lstStyle/>
-          <a:p>
-            <a:pPr rtl="0"/>
-            <a:r>
-              <a:rPr lang="en-US" altLang="ko-KR"/>
-              <a:t>20XX</a:t>
-            </a:r>
-            <a:r>
-              <a:rPr lang="ko-KR" altLang="en-US"/>
-              <a:t>년</a:t>
-            </a:r>
-          </a:p>
-        </p:txBody>
-      </p:sp>
-      <p:sp>
-        <p:nvSpPr>
-          <p:cNvPr id="5" name="바닥글 개체 틀 4">
-            <a:extLst>
-              <a:ext uri="{FF2B5EF4-FFF2-40B4-BE49-F238E27FC236}">
-                <a16:creationId xmlns:a16="http://schemas.microsoft.com/office/drawing/2014/main" id="{0DFADE42-1A3F-40C8-A071-E57644F3D843}"/>
-              </a:ext>
-            </a:extLst>
-          </p:cNvPr>
-          <p:cNvSpPr>
-            <a:spLocks noGrp="1"/>
-          </p:cNvSpPr>
-          <p:nvPr>
-            <p:ph type="ftr" sz="quarter" idx="11"/>
-          </p:nvPr>
-        </p:nvSpPr>
-        <p:spPr>
-          <a:xfrm>
-            <a:off x="6479721" y="6356350"/>
-            <a:ext cx="2661557" cy="365125"/>
-          </a:xfrm>
-        </p:spPr>
-        <p:txBody>
-          <a:bodyPr rtlCol="0"/>
-          <a:lstStyle/>
-          <a:p>
-            <a:pPr rtl="0"/>
-            <a:r>
-              <a:rPr lang="ko-KR" altLang="en-US"/>
-              <a:t>설명 자료</a:t>
-            </a:r>
-          </a:p>
-        </p:txBody>
-      </p:sp>
-      <p:sp>
-        <p:nvSpPr>
-          <p:cNvPr id="6" name="슬라이드 번호 개체 틀 5">
-            <a:extLst>
-              <a:ext uri="{FF2B5EF4-FFF2-40B4-BE49-F238E27FC236}">
-                <a16:creationId xmlns:a16="http://schemas.microsoft.com/office/drawing/2014/main" id="{5EDCFF82-B70F-4971-9182-7C3AEA3CFD26}"/>
-              </a:ext>
-            </a:extLst>
-          </p:cNvPr>
-          <p:cNvSpPr>
-            <a:spLocks noGrp="1"/>
-          </p:cNvSpPr>
-          <p:nvPr>
-            <p:ph type="sldNum" sz="quarter" idx="12"/>
-          </p:nvPr>
-        </p:nvSpPr>
-        <p:spPr>
-          <a:xfrm>
-            <a:off x="9579428" y="6356350"/>
-            <a:ext cx="1774371" cy="365125"/>
+          <p:cNvPr id="82" name="슬라이드 번호 개체 틀 81">
+            <a:extLst>
+              <a:ext uri="{FF2B5EF4-FFF2-40B4-BE49-F238E27FC236}">
+                <a16:creationId xmlns:a16="http://schemas.microsoft.com/office/drawing/2014/main" id="{CE36A058-BEC2-4BC5-A467-F2EB2A365051}"/>
+              </a:ext>
+            </a:extLst>
+          </p:cNvPr>
+          <p:cNvSpPr>
+            <a:spLocks noGrp="1"/>
+          </p:cNvSpPr>
+          <p:nvPr>
+            <p:ph type="sldNum" sz="quarter" idx="22"/>
+          </p:nvPr>
+        </p:nvSpPr>
+        <p:spPr>
+          <a:xfrm>
+            <a:off x="8610600" y="6356350"/>
+            <a:ext cx="2743200" cy="365125"/>
           </a:xfrm>
         </p:spPr>
         <p:txBody>
@@ -19359,10 +20914,70 @@
           </a:p>
         </p:txBody>
       </p:sp>
+      <p:pic>
+        <p:nvPicPr>
+          <p:cNvPr id="5" name="그림 4" descr="텍스트, 스크린샷, 폰트, 디자인이(가) 표시된 사진&#10;&#10;자동 생성된 설명">
+            <a:extLst>
+              <a:ext uri="{FF2B5EF4-FFF2-40B4-BE49-F238E27FC236}">
+                <a16:creationId xmlns:a16="http://schemas.microsoft.com/office/drawing/2014/main" id="{257FCE52-76CE-116B-EBA4-0B6FC1A6AAC5}"/>
+              </a:ext>
+            </a:extLst>
+          </p:cNvPr>
+          <p:cNvPicPr>
+            <a:picLocks noChangeAspect="1"/>
+          </p:cNvPicPr>
+          <p:nvPr/>
+        </p:nvPicPr>
+        <p:blipFill>
+          <a:blip r:embed="rId3"/>
+          <a:stretch>
+            <a:fillRect/>
+          </a:stretch>
+        </p:blipFill>
+        <p:spPr>
+          <a:xfrm>
+            <a:off x="147081" y="1211168"/>
+            <a:ext cx="5387807" cy="2847485"/>
+          </a:xfrm>
+          <a:prstGeom prst="rect">
+            <a:avLst/>
+          </a:prstGeom>
+        </p:spPr>
+      </p:pic>
+      <p:pic>
+        <p:nvPicPr>
+          <p:cNvPr id="8" name="그림 7" descr="텍스트, 스크린샷이(가) 표시된 사진&#10;&#10;자동 생성된 설명">
+            <a:extLst>
+              <a:ext uri="{FF2B5EF4-FFF2-40B4-BE49-F238E27FC236}">
+                <a16:creationId xmlns:a16="http://schemas.microsoft.com/office/drawing/2014/main" id="{741FB0D5-8AF1-D8CC-FD18-4F72B83CA104}"/>
+              </a:ext>
+            </a:extLst>
+          </p:cNvPr>
+          <p:cNvPicPr>
+            <a:picLocks noChangeAspect="1"/>
+          </p:cNvPicPr>
+          <p:nvPr/>
+        </p:nvPicPr>
+        <p:blipFill>
+          <a:blip r:embed="rId4"/>
+          <a:stretch>
+            <a:fillRect/>
+          </a:stretch>
+        </p:blipFill>
+        <p:spPr>
+          <a:xfrm>
+            <a:off x="5534888" y="1211168"/>
+            <a:ext cx="6657112" cy="5334011"/>
+          </a:xfrm>
+          <a:prstGeom prst="rect">
+            <a:avLst/>
+          </a:prstGeom>
+        </p:spPr>
+      </p:pic>
     </p:spTree>
     <p:extLst>
       <p:ext uri="{BB962C8B-B14F-4D97-AF65-F5344CB8AC3E}">
-        <p14:creationId xmlns:p14="http://schemas.microsoft.com/office/powerpoint/2010/main" val="2436493926"/>
+        <p14:creationId xmlns:p14="http://schemas.microsoft.com/office/powerpoint/2010/main" val="2579874489"/>
       </p:ext>
     </p:extLst>
   </p:cSld>
@@ -20164,15 +21779,6 @@
 </file>
 
 <file path=customXml/item1.xml><?xml version="1.0" encoding="utf-8"?>
-<?mso-contentType ?>
-<FormTemplates xmlns="http://schemas.microsoft.com/sharepoint/v3/contenttype/forms">
-  <Display>DocumentLibraryForm</Display>
-  <Edit>DocumentLibraryForm</Edit>
-  <New>DocumentLibraryForm</New>
-</FormTemplates>
-</file>
-
-<file path=customXml/item2.xml><?xml version="1.0" encoding="utf-8"?>
 <ct:contentTypeSchema xmlns:ct="http://schemas.microsoft.com/office/2006/metadata/contentType" xmlns:ma="http://schemas.microsoft.com/office/2006/metadata/properties/metaAttributes" ct:_="" ma:_="" ma:contentTypeName="Document" ma:contentTypeID="0x01010079F111ED35F8CC479449609E8A0923A6" ma:contentTypeVersion="20" ma:contentTypeDescription="Create a new document." ma:contentTypeScope="" ma:versionID="1267097ee5f5874adfcc408041ae252e">
   <xsd:schema xmlns:xsd="http://www.w3.org/2001/XMLSchema" xmlns:xs="http://www.w3.org/2001/XMLSchema" xmlns:p="http://schemas.microsoft.com/office/2006/metadata/properties" xmlns:ns1="http://schemas.microsoft.com/sharepoint/v3" xmlns:ns2="71af3243-3dd4-4a8d-8c0d-dd76da1f02a5" xmlns:ns3="16c05727-aa75-4e4a-9b5f-8a80a1165891" xmlns:ns4="230e9df3-be65-4c73-a93b-d1236ebd677e" targetNamespace="http://schemas.microsoft.com/office/2006/metadata/properties" ma:root="true" ma:fieldsID="395891a93df65b14727750f2c06c306c" ns1:_="" ns2:_="" ns3:_="" ns4:_="">
     <xsd:import namespace="http://schemas.microsoft.com/sharepoint/v3"/>
@@ -20448,6 +22054,15 @@
 </ct:contentTypeSchema>
 </file>
 
+<file path=customXml/item2.xml><?xml version="1.0" encoding="utf-8"?>
+<?mso-contentType ?>
+<FormTemplates xmlns="http://schemas.microsoft.com/sharepoint/v3/contenttype/forms">
+  <Display>DocumentLibraryForm</Display>
+  <Edit>DocumentLibraryForm</Edit>
+  <New>DocumentLibraryForm</New>
+</FormTemplates>
+</file>
+
 <file path=customXml/item3.xml><?xml version="1.0" encoding="utf-8"?>
 <p:properties xmlns:p="http://schemas.microsoft.com/office/2006/metadata/properties" xmlns:xsi="http://www.w3.org/2001/XMLSchema-instance" xmlns:pc="http://schemas.microsoft.com/office/infopath/2007/PartnerControls">
   <documentManagement>
@@ -20468,14 +22083,6 @@
 </file>
 
 <file path=customXml/itemProps1.xml><?xml version="1.0" encoding="utf-8"?>
-<ds:datastoreItem xmlns:ds="http://schemas.openxmlformats.org/officeDocument/2006/customXml" ds:itemID="{42BC90D6-94CF-42F7-AAC4-9CF6824C54D5}">
-  <ds:schemaRefs>
-    <ds:schemaRef ds:uri="http://schemas.microsoft.com/sharepoint/v3/contenttype/forms"/>
-  </ds:schemaRefs>
-</ds:datastoreItem>
-</file>
-
-<file path=customXml/itemProps2.xml><?xml version="1.0" encoding="utf-8"?>
 <ds:datastoreItem xmlns:ds="http://schemas.openxmlformats.org/officeDocument/2006/customXml" ds:itemID="{64CF2EF3-001F-4BE9-81B3-86ECBBF9425F}">
   <ds:schemaRefs>
     <ds:schemaRef ds:uri="http://schemas.microsoft.com/office/2006/metadata/contentType"/>
@@ -20492,6 +22099,14 @@
     <ds:schemaRef ds:uri="http://purl.org/dc/elements/1.1/"/>
     <ds:schemaRef ds:uri="http://purl.org/dc/terms/"/>
     <ds:schemaRef ds:uri="http://schemas.microsoft.com/internal/obd"/>
+  </ds:schemaRefs>
+</ds:datastoreItem>
+</file>
+
+<file path=customXml/itemProps2.xml><?xml version="1.0" encoding="utf-8"?>
+<ds:datastoreItem xmlns:ds="http://schemas.openxmlformats.org/officeDocument/2006/customXml" ds:itemID="{42BC90D6-94CF-42F7-AAC4-9CF6824C54D5}">
+  <ds:schemaRefs>
+    <ds:schemaRef ds:uri="http://schemas.microsoft.com/sharepoint/v3/contenttype/forms"/>
   </ds:schemaRefs>
 </ds:datastoreItem>
 </file>

--- a/객체 프로그래밍 ppt.pptx
+++ b/객체 프로그래밍 ppt.pptx
@@ -5,23 +5,22 @@
     <p:sldMasterId id="2147483666" r:id="rId4"/>
   </p:sldMasterIdLst>
   <p:notesMasterIdLst>
-    <p:notesMasterId r:id="rId16"/>
+    <p:notesMasterId r:id="rId15"/>
   </p:notesMasterIdLst>
   <p:handoutMasterIdLst>
-    <p:handoutMasterId r:id="rId17"/>
+    <p:handoutMasterId r:id="rId16"/>
   </p:handoutMasterIdLst>
   <p:sldIdLst>
     <p:sldId id="256" r:id="rId5"/>
     <p:sldId id="302" r:id="rId6"/>
-    <p:sldId id="261" r:id="rId7"/>
-    <p:sldId id="262" r:id="rId8"/>
-    <p:sldId id="296" r:id="rId9"/>
-    <p:sldId id="297" r:id="rId10"/>
-    <p:sldId id="298" r:id="rId11"/>
-    <p:sldId id="299" r:id="rId12"/>
-    <p:sldId id="300" r:id="rId13"/>
-    <p:sldId id="301" r:id="rId14"/>
-    <p:sldId id="276" r:id="rId15"/>
+    <p:sldId id="262" r:id="rId7"/>
+    <p:sldId id="296" r:id="rId8"/>
+    <p:sldId id="297" r:id="rId9"/>
+    <p:sldId id="298" r:id="rId10"/>
+    <p:sldId id="299" r:id="rId11"/>
+    <p:sldId id="300" r:id="rId12"/>
+    <p:sldId id="301" r:id="rId13"/>
+    <p:sldId id="276" r:id="rId14"/>
   </p:sldIdLst>
   <p:sldSz cx="12192000" cy="6858000"/>
   <p:notesSz cx="6858000" cy="9144000"/>
@@ -894,92 +893,6 @@
     </p:spTree>
     <p:extLst>
       <p:ext uri="{BB962C8B-B14F-4D97-AF65-F5344CB8AC3E}">
-        <p14:creationId xmlns:p14="http://schemas.microsoft.com/office/powerpoint/2010/main" val="870143983"/>
-      </p:ext>
-    </p:extLst>
-  </p:cSld>
-  <p:clrMapOvr>
-    <a:masterClrMapping/>
-  </p:clrMapOvr>
-</p:notes>
-</file>
-
-<file path=ppt/notesSlides/notesSlide11.xml><?xml version="1.0" encoding="utf-8"?>
-<p:notes xmlns:a="http://schemas.openxmlformats.org/drawingml/2006/main" xmlns:r="http://schemas.openxmlformats.org/officeDocument/2006/relationships" xmlns:p="http://schemas.openxmlformats.org/presentationml/2006/main">
-  <p:cSld>
-    <p:spTree>
-      <p:nvGrpSpPr>
-        <p:cNvPr id="1" name=""/>
-        <p:cNvGrpSpPr/>
-        <p:nvPr/>
-      </p:nvGrpSpPr>
-      <p:grpSpPr>
-        <a:xfrm>
-          <a:off x="0" y="0"/>
-          <a:ext cx="0" cy="0"/>
-          <a:chOff x="0" y="0"/>
-          <a:chExt cx="0" cy="0"/>
-        </a:xfrm>
-      </p:grpSpPr>
-      <p:sp>
-        <p:nvSpPr>
-          <p:cNvPr id="2" name="슬라이드 이미지 개체 틀 1"/>
-          <p:cNvSpPr>
-            <a:spLocks noGrp="1" noRot="1" noChangeAspect="1"/>
-          </p:cNvSpPr>
-          <p:nvPr>
-            <p:ph type="sldImg"/>
-          </p:nvPr>
-        </p:nvSpPr>
-        <p:spPr/>
-      </p:sp>
-      <p:sp>
-        <p:nvSpPr>
-          <p:cNvPr id="3" name="슬라이드 노트 개체 틀 2"/>
-          <p:cNvSpPr>
-            <a:spLocks noGrp="1"/>
-          </p:cNvSpPr>
-          <p:nvPr>
-            <p:ph type="body" idx="1"/>
-          </p:nvPr>
-        </p:nvSpPr>
-        <p:spPr/>
-        <p:txBody>
-          <a:bodyPr rtlCol="0"/>
-          <a:lstStyle/>
-          <a:p>
-            <a:pPr rtl="0"/>
-            <a:endParaRPr lang="ko-KR" altLang="en-US" noProof="0" dirty="0"/>
-          </a:p>
-        </p:txBody>
-      </p:sp>
-      <p:sp>
-        <p:nvSpPr>
-          <p:cNvPr id="4" name="슬라이드 번호 개체 틀 3"/>
-          <p:cNvSpPr>
-            <a:spLocks noGrp="1"/>
-          </p:cNvSpPr>
-          <p:nvPr>
-            <p:ph type="sldNum" sz="quarter" idx="5"/>
-          </p:nvPr>
-        </p:nvSpPr>
-        <p:spPr/>
-        <p:txBody>
-          <a:bodyPr rtlCol="0"/>
-          <a:lstStyle/>
-          <a:p>
-            <a:pPr rtl="0"/>
-            <a:fld id="{D4B9A9E5-4F7F-4A7D-9DE1-899232329269}" type="slidenum">
-              <a:rPr lang="en-US" altLang="ko-KR" smtClean="0"/>
-              <a:t>11</a:t>
-            </a:fld>
-            <a:endParaRPr lang="ko-KR" altLang="en-US"/>
-          </a:p>
-        </p:txBody>
-      </p:sp>
-    </p:spTree>
-    <p:extLst>
-      <p:ext uri="{BB962C8B-B14F-4D97-AF65-F5344CB8AC3E}">
         <p14:creationId xmlns:p14="http://schemas.microsoft.com/office/powerpoint/2010/main" val="170328207"/>
       </p:ext>
     </p:extLst>
@@ -1150,7 +1063,7 @@
     </p:spTree>
     <p:extLst>
       <p:ext uri="{BB962C8B-B14F-4D97-AF65-F5344CB8AC3E}">
-        <p14:creationId xmlns:p14="http://schemas.microsoft.com/office/powerpoint/2010/main" val="983472313"/>
+        <p14:creationId xmlns:p14="http://schemas.microsoft.com/office/powerpoint/2010/main" val="256291094"/>
       </p:ext>
     </p:extLst>
   </p:cSld>
@@ -1235,7 +1148,7 @@
     </p:spTree>
     <p:extLst>
       <p:ext uri="{BB962C8B-B14F-4D97-AF65-F5344CB8AC3E}">
-        <p14:creationId xmlns:p14="http://schemas.microsoft.com/office/powerpoint/2010/main" val="256291094"/>
+        <p14:creationId xmlns:p14="http://schemas.microsoft.com/office/powerpoint/2010/main" val="651158818"/>
       </p:ext>
     </p:extLst>
   </p:cSld>
@@ -1320,7 +1233,7 @@
     </p:spTree>
     <p:extLst>
       <p:ext uri="{BB962C8B-B14F-4D97-AF65-F5344CB8AC3E}">
-        <p14:creationId xmlns:p14="http://schemas.microsoft.com/office/powerpoint/2010/main" val="651158818"/>
+        <p14:creationId xmlns:p14="http://schemas.microsoft.com/office/powerpoint/2010/main" val="1036064237"/>
       </p:ext>
     </p:extLst>
   </p:cSld>
@@ -1405,7 +1318,7 @@
     </p:spTree>
     <p:extLst>
       <p:ext uri="{BB962C8B-B14F-4D97-AF65-F5344CB8AC3E}">
-        <p14:creationId xmlns:p14="http://schemas.microsoft.com/office/powerpoint/2010/main" val="1036064237"/>
+        <p14:creationId xmlns:p14="http://schemas.microsoft.com/office/powerpoint/2010/main" val="1676766975"/>
       </p:ext>
     </p:extLst>
   </p:cSld>
@@ -1490,7 +1403,7 @@
     </p:spTree>
     <p:extLst>
       <p:ext uri="{BB962C8B-B14F-4D97-AF65-F5344CB8AC3E}">
-        <p14:creationId xmlns:p14="http://schemas.microsoft.com/office/powerpoint/2010/main" val="1676766975"/>
+        <p14:creationId xmlns:p14="http://schemas.microsoft.com/office/powerpoint/2010/main" val="3739151716"/>
       </p:ext>
     </p:extLst>
   </p:cSld>
@@ -1575,7 +1488,7 @@
     </p:spTree>
     <p:extLst>
       <p:ext uri="{BB962C8B-B14F-4D97-AF65-F5344CB8AC3E}">
-        <p14:creationId xmlns:p14="http://schemas.microsoft.com/office/powerpoint/2010/main" val="3739151716"/>
+        <p14:creationId xmlns:p14="http://schemas.microsoft.com/office/powerpoint/2010/main" val="1022511623"/>
       </p:ext>
     </p:extLst>
   </p:cSld>
@@ -1626,9 +1539,10 @@
         </p:nvSpPr>
         <p:spPr/>
         <p:txBody>
-          <a:bodyPr/>
+          <a:bodyPr rtlCol="0"/>
           <a:lstStyle/>
           <a:p>
+            <a:pPr rtl="0"/>
             <a:endParaRPr lang="ko-KR" altLang="en-US" noProof="0" dirty="0"/>
           </a:p>
         </p:txBody>
@@ -1645,12 +1559,12 @@
         </p:nvSpPr>
         <p:spPr/>
         <p:txBody>
-          <a:bodyPr/>
+          <a:bodyPr rtlCol="0"/>
           <a:lstStyle/>
           <a:p>
+            <a:pPr rtl="0"/>
             <a:fld id="{D4B9A9E5-4F7F-4A7D-9DE1-899232329269}" type="slidenum">
               <a:rPr lang="en-US" altLang="ko-KR" smtClean="0"/>
-              <a:pPr/>
               <a:t>9</a:t>
             </a:fld>
             <a:endParaRPr lang="ko-KR" altLang="en-US"/>
@@ -1660,7 +1574,7 @@
     </p:spTree>
     <p:extLst>
       <p:ext uri="{BB962C8B-B14F-4D97-AF65-F5344CB8AC3E}">
-        <p14:creationId xmlns:p14="http://schemas.microsoft.com/office/powerpoint/2010/main" val="1022511623"/>
+        <p14:creationId xmlns:p14="http://schemas.microsoft.com/office/powerpoint/2010/main" val="870143983"/>
       </p:ext>
     </p:extLst>
   </p:cSld>
@@ -18234,8 +18148,8 @@
         </p:nvSpPr>
         <p:spPr>
           <a:xfrm>
-            <a:off x="2939143" y="475862"/>
-            <a:ext cx="9252857" cy="3149082"/>
+            <a:off x="4463143" y="2119589"/>
+            <a:ext cx="4179570" cy="1524735"/>
           </a:xfrm>
         </p:spPr>
         <p:txBody>
@@ -18244,146 +18158,14 @@
           <a:p>
             <a:pPr rtl="0"/>
             <a:r>
-              <a:rPr lang="ko-KR" altLang="en-US" sz="3000" dirty="0"/>
-              <a:t>원본 소스 출처</a:t>
-            </a:r>
-            <a:br>
-              <a:rPr lang="en-US" altLang="ko-KR" sz="2500" dirty="0"/>
-            </a:br>
-            <a:br>
-              <a:rPr lang="en-US" altLang="ko-KR" sz="2500" dirty="0"/>
-            </a:br>
-            <a:br>
-              <a:rPr lang="en-US" altLang="ko-KR" sz="2500" dirty="0"/>
-            </a:br>
-            <a:br>
-              <a:rPr lang="en-US" altLang="ko-KR" sz="2500" dirty="0"/>
-            </a:br>
-            <a:br>
-              <a:rPr lang="en-US" altLang="ko-KR" sz="2500" dirty="0"/>
-            </a:br>
-            <a:r>
-              <a:rPr lang="en-US" altLang="ko-KR" sz="2200" dirty="0">
-                <a:hlinkClick r:id="rId3"/>
-              </a:rPr>
-              <a:t>C# </a:t>
-            </a:r>
-            <a:r>
-              <a:rPr lang="ko-KR" altLang="en-US" sz="2200" dirty="0">
-                <a:hlinkClick r:id="rId3"/>
-              </a:rPr>
-              <a:t>컨베이어 </a:t>
-            </a:r>
-            <a:r>
-              <a:rPr lang="en-US" altLang="ko-KR" sz="2200" dirty="0">
-                <a:hlinkClick r:id="rId3"/>
-              </a:rPr>
-              <a:t>(2021-09-30 </a:t>
-            </a:r>
-            <a:r>
-              <a:rPr lang="ko-KR" altLang="en-US" sz="2200" dirty="0">
-                <a:hlinkClick r:id="rId3"/>
-              </a:rPr>
-              <a:t>영상 소스</a:t>
-            </a:r>
-            <a:r>
-              <a:rPr lang="en-US" altLang="ko-KR" sz="2200" dirty="0">
-                <a:hlinkClick r:id="rId3"/>
-              </a:rPr>
-              <a:t>) : </a:t>
-            </a:r>
-            <a:r>
-              <a:rPr lang="ko-KR" altLang="en-US" sz="2200" dirty="0">
-                <a:hlinkClick r:id="rId3"/>
-              </a:rPr>
-              <a:t>네이버 카페 </a:t>
-            </a:r>
-            <a:r>
-              <a:rPr lang="en-US" altLang="ko-KR" sz="2200" dirty="0">
-                <a:hlinkClick r:id="rId3"/>
-              </a:rPr>
-              <a:t>(naver.com)</a:t>
-            </a:r>
-            <a:r>
-              <a:rPr lang="ko-KR" altLang="en-US" sz="2200" dirty="0"/>
-              <a:t> </a:t>
-            </a:r>
-            <a:br>
-              <a:rPr lang="en-US" altLang="ko-KR" sz="2200" dirty="0"/>
-            </a:br>
-            <a:r>
-              <a:rPr lang="en-US" altLang="ko-KR" sz="2200" dirty="0">
-                <a:hlinkClick r:id="rId4"/>
-              </a:rPr>
-              <a:t>(516) C#</a:t>
-            </a:r>
-            <a:r>
-              <a:rPr lang="ko-KR" altLang="en-US" sz="2200" dirty="0">
-                <a:hlinkClick r:id="rId4"/>
-              </a:rPr>
-              <a:t>프로그래밍 </a:t>
-            </a:r>
-            <a:r>
-              <a:rPr lang="ko-KR" altLang="en-US" sz="2200" dirty="0" err="1">
-                <a:hlinkClick r:id="rId4"/>
-              </a:rPr>
-              <a:t>실전편</a:t>
-            </a:r>
-            <a:r>
-              <a:rPr lang="ko-KR" altLang="en-US" sz="2200" dirty="0">
-                <a:hlinkClick r:id="rId4"/>
-              </a:rPr>
-              <a:t> </a:t>
-            </a:r>
-            <a:r>
-              <a:rPr lang="en-US" altLang="ko-KR" sz="2200" dirty="0">
-                <a:hlinkClick r:id="rId4"/>
-              </a:rPr>
-              <a:t>- </a:t>
-            </a:r>
-            <a:r>
-              <a:rPr lang="en-US" altLang="ko-KR" sz="2200" dirty="0" err="1">
-                <a:hlinkClick r:id="rId4"/>
-              </a:rPr>
-              <a:t>Winform</a:t>
-            </a:r>
-            <a:r>
-              <a:rPr lang="en-US" altLang="ko-KR" sz="2200" dirty="0">
-                <a:hlinkClick r:id="rId4"/>
-              </a:rPr>
-              <a:t>, </a:t>
-            </a:r>
-            <a:r>
-              <a:rPr lang="ko-KR" altLang="en-US" sz="2200" dirty="0" err="1">
-                <a:hlinkClick r:id="rId4"/>
-              </a:rPr>
-              <a:t>보는것이</a:t>
-            </a:r>
-            <a:r>
-              <a:rPr lang="ko-KR" altLang="en-US" sz="2200" dirty="0">
-                <a:hlinkClick r:id="rId4"/>
-              </a:rPr>
-              <a:t> 하는 것보다 더 </a:t>
-            </a:r>
-            <a:r>
-              <a:rPr lang="ko-KR" altLang="en-US" sz="2200" dirty="0" err="1">
-                <a:hlinkClick r:id="rId4"/>
-              </a:rPr>
-              <a:t>재미있을순</a:t>
-            </a:r>
-            <a:r>
-              <a:rPr lang="ko-KR" altLang="en-US" sz="2200" dirty="0">
-                <a:hlinkClick r:id="rId4"/>
-              </a:rPr>
-              <a:t> 없지 </a:t>
-            </a:r>
-            <a:r>
-              <a:rPr lang="en-US" altLang="ko-KR" sz="2200" dirty="0">
-                <a:hlinkClick r:id="rId4"/>
-              </a:rPr>
-              <a:t>- YouTube</a:t>
-            </a:r>
-            <a:endParaRPr lang="ko-KR" altLang="en-US" sz="2200" dirty="0"/>
+              <a:rPr lang="ko-KR" altLang="en-US" dirty="0"/>
+              <a:t>감사합니다</a:t>
+            </a:r>
+            <a:r>
+              <a:rPr lang="en-US" altLang="ko-KR" dirty="0"/>
+              <a:t>.</a:t>
+            </a:r>
+            <a:endParaRPr lang="ko-KR" altLang="en-US" dirty="0"/>
           </a:p>
         </p:txBody>
       </p:sp>
@@ -18490,183 +18272,6 @@
               <a:rPr lang="en-US" altLang="ko-KR" smtClean="0"/>
               <a:pPr rtl="0"/>
               <a:t>10</a:t>
-            </a:fld>
-            <a:endParaRPr lang="ko-KR" altLang="en-US"/>
-          </a:p>
-        </p:txBody>
-      </p:sp>
-    </p:spTree>
-    <p:extLst>
-      <p:ext uri="{BB962C8B-B14F-4D97-AF65-F5344CB8AC3E}">
-        <p14:creationId xmlns:p14="http://schemas.microsoft.com/office/powerpoint/2010/main" val="1461575631"/>
-      </p:ext>
-    </p:extLst>
-  </p:cSld>
-  <p:clrMapOvr>
-    <a:masterClrMapping/>
-  </p:clrMapOvr>
-</p:sld>
-</file>
-
-<file path=ppt/slides/slide11.xml><?xml version="1.0" encoding="utf-8"?>
-<p:sld xmlns:a="http://schemas.openxmlformats.org/drawingml/2006/main" xmlns:r="http://schemas.openxmlformats.org/officeDocument/2006/relationships" xmlns:p="http://schemas.openxmlformats.org/presentationml/2006/main">
-  <p:cSld>
-    <p:spTree>
-      <p:nvGrpSpPr>
-        <p:cNvPr id="1" name=""/>
-        <p:cNvGrpSpPr/>
-        <p:nvPr/>
-      </p:nvGrpSpPr>
-      <p:grpSpPr>
-        <a:xfrm>
-          <a:off x="0" y="0"/>
-          <a:ext cx="0" cy="0"/>
-          <a:chOff x="0" y="0"/>
-          <a:chExt cx="0" cy="0"/>
-        </a:xfrm>
-      </p:grpSpPr>
-      <p:sp>
-        <p:nvSpPr>
-          <p:cNvPr id="2" name="제목 1">
-            <a:extLst>
-              <a:ext uri="{FF2B5EF4-FFF2-40B4-BE49-F238E27FC236}">
-                <a16:creationId xmlns:a16="http://schemas.microsoft.com/office/drawing/2014/main" id="{BCCAEE93-8585-46D4-A7EC-F184E317CB2E}"/>
-              </a:ext>
-            </a:extLst>
-          </p:cNvPr>
-          <p:cNvSpPr>
-            <a:spLocks noGrp="1"/>
-          </p:cNvSpPr>
-          <p:nvPr>
-            <p:ph type="ctrTitle"/>
-          </p:nvPr>
-        </p:nvSpPr>
-        <p:spPr>
-          <a:xfrm>
-            <a:off x="4463143" y="2119589"/>
-            <a:ext cx="4179570" cy="1524735"/>
-          </a:xfrm>
-        </p:spPr>
-        <p:txBody>
-          <a:bodyPr rtlCol="0"/>
-          <a:lstStyle/>
-          <a:p>
-            <a:pPr rtl="0"/>
-            <a:r>
-              <a:rPr lang="ko-KR" altLang="en-US" dirty="0"/>
-              <a:t>감사합니다</a:t>
-            </a:r>
-            <a:r>
-              <a:rPr lang="en-US" altLang="ko-KR" dirty="0"/>
-              <a:t>.</a:t>
-            </a:r>
-            <a:endParaRPr lang="ko-KR" altLang="en-US" dirty="0"/>
-          </a:p>
-        </p:txBody>
-      </p:sp>
-      <p:sp>
-        <p:nvSpPr>
-          <p:cNvPr id="4" name="날짜 개체 틀 3">
-            <a:extLst>
-              <a:ext uri="{FF2B5EF4-FFF2-40B4-BE49-F238E27FC236}">
-                <a16:creationId xmlns:a16="http://schemas.microsoft.com/office/drawing/2014/main" id="{72DA7980-C870-4C9A-84FA-4120D8AF5DE8}"/>
-              </a:ext>
-            </a:extLst>
-          </p:cNvPr>
-          <p:cNvSpPr>
-            <a:spLocks noGrp="1"/>
-          </p:cNvSpPr>
-          <p:nvPr>
-            <p:ph type="dt" sz="half" idx="10"/>
-          </p:nvPr>
-        </p:nvSpPr>
-        <p:spPr>
-          <a:xfrm>
-            <a:off x="4267200" y="6356350"/>
-            <a:ext cx="1774371" cy="365125"/>
-          </a:xfrm>
-        </p:spPr>
-        <p:txBody>
-          <a:bodyPr rtlCol="0"/>
-          <a:lstStyle/>
-          <a:p>
-            <a:pPr rtl="0"/>
-            <a:r>
-              <a:rPr lang="en-US" altLang="ko-KR"/>
-              <a:t>20XX</a:t>
-            </a:r>
-            <a:r>
-              <a:rPr lang="ko-KR" altLang="en-US"/>
-              <a:t>년</a:t>
-            </a:r>
-          </a:p>
-        </p:txBody>
-      </p:sp>
-      <p:sp>
-        <p:nvSpPr>
-          <p:cNvPr id="5" name="바닥글 개체 틀 4">
-            <a:extLst>
-              <a:ext uri="{FF2B5EF4-FFF2-40B4-BE49-F238E27FC236}">
-                <a16:creationId xmlns:a16="http://schemas.microsoft.com/office/drawing/2014/main" id="{0DFADE42-1A3F-40C8-A071-E57644F3D843}"/>
-              </a:ext>
-            </a:extLst>
-          </p:cNvPr>
-          <p:cNvSpPr>
-            <a:spLocks noGrp="1"/>
-          </p:cNvSpPr>
-          <p:nvPr>
-            <p:ph type="ftr" sz="quarter" idx="11"/>
-          </p:nvPr>
-        </p:nvSpPr>
-        <p:spPr>
-          <a:xfrm>
-            <a:off x="6479721" y="6356350"/>
-            <a:ext cx="2661557" cy="365125"/>
-          </a:xfrm>
-        </p:spPr>
-        <p:txBody>
-          <a:bodyPr rtlCol="0"/>
-          <a:lstStyle/>
-          <a:p>
-            <a:pPr rtl="0"/>
-            <a:r>
-              <a:rPr lang="ko-KR" altLang="en-US"/>
-              <a:t>설명 자료</a:t>
-            </a:r>
-          </a:p>
-        </p:txBody>
-      </p:sp>
-      <p:sp>
-        <p:nvSpPr>
-          <p:cNvPr id="6" name="슬라이드 번호 개체 틀 5">
-            <a:extLst>
-              <a:ext uri="{FF2B5EF4-FFF2-40B4-BE49-F238E27FC236}">
-                <a16:creationId xmlns:a16="http://schemas.microsoft.com/office/drawing/2014/main" id="{5EDCFF82-B70F-4971-9182-7C3AEA3CFD26}"/>
-              </a:ext>
-            </a:extLst>
-          </p:cNvPr>
-          <p:cNvSpPr>
-            <a:spLocks noGrp="1"/>
-          </p:cNvSpPr>
-          <p:nvPr>
-            <p:ph type="sldNum" sz="quarter" idx="12"/>
-          </p:nvPr>
-        </p:nvSpPr>
-        <p:spPr>
-          <a:xfrm>
-            <a:off x="9579428" y="6356350"/>
-            <a:ext cx="1774371" cy="365125"/>
-          </a:xfrm>
-        </p:spPr>
-        <p:txBody>
-          <a:bodyPr rtlCol="0"/>
-          <a:lstStyle/>
-          <a:p>
-            <a:pPr rtl="0"/>
-            <a:fld id="{B5CEABB6-07DC-46E8-9B57-56EC44A396E5}" type="slidenum">
-              <a:rPr lang="en-US" altLang="ko-KR" smtClean="0"/>
-              <a:pPr rtl="0"/>
-              <a:t>11</a:t>
             </a:fld>
             <a:endParaRPr lang="ko-KR" altLang="en-US"/>
           </a:p>
@@ -19840,7 +19445,7 @@
           <p:cNvPr id="2" name="제목 1">
             <a:extLst>
               <a:ext uri="{FF2B5EF4-FFF2-40B4-BE49-F238E27FC236}">
-                <a16:creationId xmlns:a16="http://schemas.microsoft.com/office/drawing/2014/main" id="{67708C79-A4AC-4B5D-92DF-600737E4D11A}"/>
+                <a16:creationId xmlns:a16="http://schemas.microsoft.com/office/drawing/2014/main" id="{75031FE9-9059-4FE8-B4AC-9771F23A1B89}"/>
               </a:ext>
             </a:extLst>
           </p:cNvPr>
@@ -19853,8 +19458,8 @@
         </p:nvSpPr>
         <p:spPr>
           <a:xfrm>
-            <a:off x="547008" y="487164"/>
-            <a:ext cx="4082142" cy="585788"/>
+            <a:off x="1885156" y="246107"/>
+            <a:ext cx="8421688" cy="1325563"/>
           </a:xfrm>
         </p:spPr>
         <p:txBody>
@@ -19864,11 +19469,11 @@
             <a:pPr rtl="0"/>
             <a:r>
               <a:rPr lang="ko-KR" altLang="en-US" dirty="0"/>
-              <a:t>가게에서 왜 필요한가</a:t>
+              <a:t>원본 </a:t>
             </a:r>
             <a:r>
               <a:rPr lang="en-US" altLang="ko-KR" dirty="0"/>
-              <a:t>?</a:t>
+              <a:t>FORM</a:t>
             </a:r>
             <a:endParaRPr lang="ko-KR" altLang="en-US" dirty="0"/>
           </a:p>
@@ -19876,185 +19481,24 @@
       </p:sp>
       <p:sp>
         <p:nvSpPr>
-          <p:cNvPr id="4" name="텍스트 개체 틀 3">
-            <a:extLst>
-              <a:ext uri="{FF2B5EF4-FFF2-40B4-BE49-F238E27FC236}">
-                <a16:creationId xmlns:a16="http://schemas.microsoft.com/office/drawing/2014/main" id="{F5FF1291-56EB-4A7B-A198-1D91F9ECC5D3}"/>
-              </a:ext>
-            </a:extLst>
-          </p:cNvPr>
-          <p:cNvSpPr>
-            <a:spLocks noGrp="1"/>
-          </p:cNvSpPr>
-          <p:nvPr>
-            <p:ph type="body" sz="quarter" idx="14"/>
-          </p:nvPr>
-        </p:nvSpPr>
-        <p:spPr>
-          <a:xfrm>
-            <a:off x="446315" y="1498006"/>
-            <a:ext cx="2141764" cy="514350"/>
-          </a:xfrm>
-        </p:spPr>
-        <p:txBody>
-          <a:bodyPr rtlCol="0"/>
-          <a:lstStyle/>
-          <a:p>
-            <a:pPr rtl="0"/>
-            <a:r>
-              <a:rPr lang="ko-KR" altLang="en-US" sz="2500" dirty="0"/>
-              <a:t>고객</a:t>
-            </a:r>
-          </a:p>
-        </p:txBody>
-      </p:sp>
-      <p:sp>
-        <p:nvSpPr>
-          <p:cNvPr id="6" name="텍스트 개체 틀 5">
-            <a:extLst>
-              <a:ext uri="{FF2B5EF4-FFF2-40B4-BE49-F238E27FC236}">
-                <a16:creationId xmlns:a16="http://schemas.microsoft.com/office/drawing/2014/main" id="{5C594564-4FC6-401A-8586-44735EE819EC}"/>
-              </a:ext>
-            </a:extLst>
-          </p:cNvPr>
-          <p:cNvSpPr>
-            <a:spLocks noGrp="1"/>
-          </p:cNvSpPr>
-          <p:nvPr>
-            <p:ph type="body" sz="quarter" idx="16"/>
-          </p:nvPr>
-        </p:nvSpPr>
-        <p:spPr>
-          <a:xfrm>
-            <a:off x="981269" y="2630551"/>
-            <a:ext cx="2141764" cy="514350"/>
-          </a:xfrm>
-        </p:spPr>
-        <p:txBody>
-          <a:bodyPr rtlCol="0"/>
-          <a:lstStyle/>
-          <a:p>
-            <a:pPr rtl="0"/>
-            <a:r>
-              <a:rPr lang="ko-KR" altLang="en-US" sz="2500" dirty="0"/>
-              <a:t>비용</a:t>
-            </a:r>
-          </a:p>
-        </p:txBody>
-      </p:sp>
-      <p:sp>
-        <p:nvSpPr>
-          <p:cNvPr id="8" name="텍스트 개체 틀 7">
-            <a:extLst>
-              <a:ext uri="{FF2B5EF4-FFF2-40B4-BE49-F238E27FC236}">
-                <a16:creationId xmlns:a16="http://schemas.microsoft.com/office/drawing/2014/main" id="{B46CE8C6-E12D-4A0D-8553-7FFA31941D56}"/>
-              </a:ext>
-            </a:extLst>
-          </p:cNvPr>
-          <p:cNvSpPr>
-            <a:spLocks noGrp="1"/>
-          </p:cNvSpPr>
-          <p:nvPr>
-            <p:ph type="body" sz="quarter" idx="18"/>
-          </p:nvPr>
-        </p:nvSpPr>
-        <p:spPr>
-          <a:xfrm>
-            <a:off x="4118281" y="1498006"/>
-            <a:ext cx="6509286" cy="1010842"/>
-          </a:xfrm>
-        </p:spPr>
-        <p:txBody>
-          <a:bodyPr rtlCol="0">
-            <a:noAutofit/>
-          </a:bodyPr>
-          <a:lstStyle/>
-          <a:p>
-            <a:pPr rtl="0"/>
-            <a:r>
-              <a:rPr lang="ko-KR" altLang="en-US" sz="2000" dirty="0"/>
-              <a:t>고객은 보통 대형마트를 올 때 차를 타고 오기 때문에 주차 공간이 필요하다</a:t>
-            </a:r>
-            <a:r>
-              <a:rPr lang="en-US" altLang="ko-KR" sz="2000" dirty="0"/>
-              <a:t>.</a:t>
-            </a:r>
-            <a:r>
-              <a:rPr lang="ko-KR" altLang="en-US" sz="2000" dirty="0"/>
-              <a:t> </a:t>
-            </a:r>
-          </a:p>
-        </p:txBody>
-      </p:sp>
-      <p:sp>
-        <p:nvSpPr>
-          <p:cNvPr id="10" name="텍스트 개체 틀 9">
-            <a:extLst>
-              <a:ext uri="{FF2B5EF4-FFF2-40B4-BE49-F238E27FC236}">
-                <a16:creationId xmlns:a16="http://schemas.microsoft.com/office/drawing/2014/main" id="{02D305EF-9A88-496B-BFC1-D589A01EE381}"/>
-              </a:ext>
-            </a:extLst>
-          </p:cNvPr>
-          <p:cNvSpPr>
-            <a:spLocks noGrp="1"/>
-          </p:cNvSpPr>
-          <p:nvPr>
-            <p:ph type="body" sz="quarter" idx="20"/>
-          </p:nvPr>
-        </p:nvSpPr>
-        <p:spPr>
-          <a:xfrm>
-            <a:off x="4733730" y="2508848"/>
-            <a:ext cx="6509286" cy="1010842"/>
-          </a:xfrm>
-        </p:spPr>
-        <p:txBody>
-          <a:bodyPr rtlCol="0">
-            <a:noAutofit/>
-          </a:bodyPr>
-          <a:lstStyle/>
-          <a:p>
-            <a:pPr rtl="0"/>
-            <a:r>
-              <a:rPr lang="ko-KR" altLang="en-US" sz="2000" dirty="0"/>
-              <a:t>예약금을 받고 예약 후 </a:t>
-            </a:r>
-            <a:r>
-              <a:rPr lang="en-US" altLang="ko-KR" sz="2000" dirty="0"/>
-              <a:t>20</a:t>
-            </a:r>
-            <a:r>
-              <a:rPr lang="ko-KR" altLang="en-US" sz="2000" dirty="0"/>
-              <a:t>분 이내로 온다면 예약금을 마트에서 사용 가능하게 하면 오히려 수익이 날 수 있다</a:t>
-            </a:r>
-            <a:r>
-              <a:rPr lang="en-US" altLang="ko-KR" sz="2000" dirty="0"/>
-              <a:t>.</a:t>
-            </a:r>
-            <a:endParaRPr lang="ko-KR" altLang="en-US" sz="2000" dirty="0"/>
-          </a:p>
-        </p:txBody>
-      </p:sp>
-      <p:sp>
-        <p:nvSpPr>
-          <p:cNvPr id="13" name="슬라이드 번호 개체 틀 12">
-            <a:extLst>
-              <a:ext uri="{FF2B5EF4-FFF2-40B4-BE49-F238E27FC236}">
-                <a16:creationId xmlns:a16="http://schemas.microsoft.com/office/drawing/2014/main" id="{E3984D70-BD95-4E1F-9725-902B5D74DED6}"/>
-              </a:ext>
-            </a:extLst>
-          </p:cNvPr>
-          <p:cNvSpPr>
-            <a:spLocks noGrp="1"/>
-          </p:cNvSpPr>
-          <p:nvPr>
-            <p:ph type="sldNum" sz="quarter" idx="12"/>
-          </p:nvPr>
-        </p:nvSpPr>
-        <p:spPr>
-          <a:xfrm>
-            <a:off x="10810874" y="6356350"/>
-            <a:ext cx="542925" cy="365125"/>
+          <p:cNvPr id="82" name="슬라이드 번호 개체 틀 81">
+            <a:extLst>
+              <a:ext uri="{FF2B5EF4-FFF2-40B4-BE49-F238E27FC236}">
+                <a16:creationId xmlns:a16="http://schemas.microsoft.com/office/drawing/2014/main" id="{CE36A058-BEC2-4BC5-A467-F2EB2A365051}"/>
+              </a:ext>
+            </a:extLst>
+          </p:cNvPr>
+          <p:cNvSpPr>
+            <a:spLocks noGrp="1"/>
+          </p:cNvSpPr>
+          <p:nvPr>
+            <p:ph type="sldNum" sz="quarter" idx="22"/>
+          </p:nvPr>
+        </p:nvSpPr>
+        <p:spPr>
+          <a:xfrm>
+            <a:off x="8610600" y="6356350"/>
+            <a:ext cx="2743200" cy="365125"/>
           </a:xfrm>
         </p:spPr>
         <p:txBody>
@@ -20071,10 +19515,40 @@
           </a:p>
         </p:txBody>
       </p:sp>
+      <p:pic>
+        <p:nvPicPr>
+          <p:cNvPr id="28" name="그림 27" descr="스크린샷, 디스플레이, 소프트웨어, 직사각형이(가) 표시된 사진&#10;&#10;자동 생성된 설명">
+            <a:extLst>
+              <a:ext uri="{FF2B5EF4-FFF2-40B4-BE49-F238E27FC236}">
+                <a16:creationId xmlns:a16="http://schemas.microsoft.com/office/drawing/2014/main" id="{72F43EF0-2F81-5725-DA19-EE052AB75A00}"/>
+              </a:ext>
+            </a:extLst>
+          </p:cNvPr>
+          <p:cNvPicPr>
+            <a:picLocks noChangeAspect="1"/>
+          </p:cNvPicPr>
+          <p:nvPr/>
+        </p:nvPicPr>
+        <p:blipFill>
+          <a:blip r:embed="rId3"/>
+          <a:stretch>
+            <a:fillRect/>
+          </a:stretch>
+        </p:blipFill>
+        <p:spPr>
+          <a:xfrm>
+            <a:off x="1127126" y="1257530"/>
+            <a:ext cx="9937748" cy="5098820"/>
+          </a:xfrm>
+          <a:prstGeom prst="rect">
+            <a:avLst/>
+          </a:prstGeom>
+        </p:spPr>
+      </p:pic>
     </p:spTree>
     <p:extLst>
       <p:ext uri="{BB962C8B-B14F-4D97-AF65-F5344CB8AC3E}">
-        <p14:creationId xmlns:p14="http://schemas.microsoft.com/office/powerpoint/2010/main" val="1738561688"/>
+        <p14:creationId xmlns:p14="http://schemas.microsoft.com/office/powerpoint/2010/main" val="1593920805"/>
       </p:ext>
     </p:extLst>
   </p:cSld>
@@ -20119,7 +19593,7 @@
         </p:nvSpPr>
         <p:spPr>
           <a:xfrm>
-            <a:off x="1885156" y="246107"/>
+            <a:off x="1885156" y="79576"/>
             <a:ext cx="8421688" cy="1325563"/>
           </a:xfrm>
         </p:spPr>
@@ -20134,9 +19608,12 @@
             </a:r>
             <a:r>
               <a:rPr lang="en-US" altLang="ko-KR" dirty="0"/>
-              <a:t>FORM</a:t>
-            </a:r>
-            <a:endParaRPr lang="ko-KR" altLang="en-US" dirty="0"/>
+              <a:t>cs,</a:t>
+            </a:r>
+            <a:r>
+              <a:rPr lang="ko-KR" altLang="en-US" dirty="0"/>
+              <a:t> 디자인</a:t>
+            </a:r>
           </a:p>
         </p:txBody>
       </p:sp>
@@ -20178,10 +19655,10 @@
       </p:sp>
       <p:pic>
         <p:nvPicPr>
-          <p:cNvPr id="28" name="그림 27" descr="스크린샷, 디스플레이, 소프트웨어, 직사각형이(가) 표시된 사진&#10;&#10;자동 생성된 설명">
-            <a:extLst>
-              <a:ext uri="{FF2B5EF4-FFF2-40B4-BE49-F238E27FC236}">
-                <a16:creationId xmlns:a16="http://schemas.microsoft.com/office/drawing/2014/main" id="{72F43EF0-2F81-5725-DA19-EE052AB75A00}"/>
+          <p:cNvPr id="4" name="그림 3" descr="텍스트, 스크린샷이(가) 표시된 사진&#10;&#10;자동 생성된 설명">
+            <a:extLst>
+              <a:ext uri="{FF2B5EF4-FFF2-40B4-BE49-F238E27FC236}">
+                <a16:creationId xmlns:a16="http://schemas.microsoft.com/office/drawing/2014/main" id="{0E8F9701-38EC-E1D3-F270-78AB15FC6E1C}"/>
               </a:ext>
             </a:extLst>
           </p:cNvPr>
@@ -20198,8 +19675,38 @@
         </p:blipFill>
         <p:spPr>
           <a:xfrm>
-            <a:off x="1127126" y="1257530"/>
-            <a:ext cx="9937748" cy="5098820"/>
+            <a:off x="216228" y="1449844"/>
+            <a:ext cx="6404607" cy="3712706"/>
+          </a:xfrm>
+          <a:prstGeom prst="rect">
+            <a:avLst/>
+          </a:prstGeom>
+        </p:spPr>
+      </p:pic>
+      <p:pic>
+        <p:nvPicPr>
+          <p:cNvPr id="6" name="그림 5" descr="텍스트, 디스플레이, 스크린샷, 소프트웨어이(가) 표시된 사진&#10;&#10;자동 생성된 설명">
+            <a:extLst>
+              <a:ext uri="{FF2B5EF4-FFF2-40B4-BE49-F238E27FC236}">
+                <a16:creationId xmlns:a16="http://schemas.microsoft.com/office/drawing/2014/main" id="{11DBAA02-5611-3FB3-902F-3FFB9F2DC87F}"/>
+              </a:ext>
+            </a:extLst>
+          </p:cNvPr>
+          <p:cNvPicPr>
+            <a:picLocks noChangeAspect="1"/>
+          </p:cNvPicPr>
+          <p:nvPr/>
+        </p:nvPicPr>
+        <p:blipFill>
+          <a:blip r:embed="rId4"/>
+          <a:stretch>
+            <a:fillRect/>
+          </a:stretch>
+        </p:blipFill>
+        <p:spPr>
+          <a:xfrm>
+            <a:off x="6792926" y="1228670"/>
+            <a:ext cx="5087596" cy="4155054"/>
           </a:xfrm>
           <a:prstGeom prst="rect">
             <a:avLst/>
@@ -20209,7 +19716,7 @@
     </p:spTree>
     <p:extLst>
       <p:ext uri="{BB962C8B-B14F-4D97-AF65-F5344CB8AC3E}">
-        <p14:creationId xmlns:p14="http://schemas.microsoft.com/office/powerpoint/2010/main" val="1593920805"/>
+        <p14:creationId xmlns:p14="http://schemas.microsoft.com/office/powerpoint/2010/main" val="987492359"/>
       </p:ext>
     </p:extLst>
   </p:cSld>
@@ -20254,7 +19761,7 @@
         </p:nvSpPr>
         <p:spPr>
           <a:xfrm>
-            <a:off x="1885156" y="79576"/>
+            <a:off x="1757459" y="0"/>
             <a:ext cx="8421688" cy="1325563"/>
           </a:xfrm>
         </p:spPr>
@@ -20265,16 +19772,13 @@
             <a:pPr rtl="0"/>
             <a:r>
               <a:rPr lang="ko-KR" altLang="en-US" dirty="0"/>
-              <a:t>원본 </a:t>
+              <a:t>내가 만든 </a:t>
             </a:r>
             <a:r>
               <a:rPr lang="en-US" altLang="ko-KR" dirty="0"/>
-              <a:t>cs,</a:t>
-            </a:r>
-            <a:r>
-              <a:rPr lang="ko-KR" altLang="en-US" dirty="0"/>
-              <a:t> 디자인</a:t>
-            </a:r>
+              <a:t>FORM</a:t>
+            </a:r>
+            <a:endParaRPr lang="ko-KR" altLang="en-US" dirty="0"/>
           </a:p>
         </p:txBody>
       </p:sp>
@@ -20316,10 +19820,10 @@
       </p:sp>
       <p:pic>
         <p:nvPicPr>
-          <p:cNvPr id="4" name="그림 3" descr="텍스트, 스크린샷이(가) 표시된 사진&#10;&#10;자동 생성된 설명">
-            <a:extLst>
-              <a:ext uri="{FF2B5EF4-FFF2-40B4-BE49-F238E27FC236}">
-                <a16:creationId xmlns:a16="http://schemas.microsoft.com/office/drawing/2014/main" id="{0E8F9701-38EC-E1D3-F270-78AB15FC6E1C}"/>
+          <p:cNvPr id="4" name="그림 3" descr="텍스트, 스크린샷, 디스플레이, 소프트웨어이(가) 표시된 사진&#10;&#10;자동 생성된 설명">
+            <a:extLst>
+              <a:ext uri="{FF2B5EF4-FFF2-40B4-BE49-F238E27FC236}">
+                <a16:creationId xmlns:a16="http://schemas.microsoft.com/office/drawing/2014/main" id="{BB16516D-0433-3437-E8E4-B582C9FD6477}"/>
               </a:ext>
             </a:extLst>
           </p:cNvPr>
@@ -20336,38 +19840,8 @@
         </p:blipFill>
         <p:spPr>
           <a:xfrm>
-            <a:off x="216228" y="1449844"/>
-            <a:ext cx="6404607" cy="3712706"/>
-          </a:xfrm>
-          <a:prstGeom prst="rect">
-            <a:avLst/>
-          </a:prstGeom>
-        </p:spPr>
-      </p:pic>
-      <p:pic>
-        <p:nvPicPr>
-          <p:cNvPr id="6" name="그림 5" descr="텍스트, 디스플레이, 스크린샷, 소프트웨어이(가) 표시된 사진&#10;&#10;자동 생성된 설명">
-            <a:extLst>
-              <a:ext uri="{FF2B5EF4-FFF2-40B4-BE49-F238E27FC236}">
-                <a16:creationId xmlns:a16="http://schemas.microsoft.com/office/drawing/2014/main" id="{11DBAA02-5611-3FB3-902F-3FFB9F2DC87F}"/>
-              </a:ext>
-            </a:extLst>
-          </p:cNvPr>
-          <p:cNvPicPr>
-            <a:picLocks noChangeAspect="1"/>
-          </p:cNvPicPr>
-          <p:nvPr/>
-        </p:nvPicPr>
-        <p:blipFill>
-          <a:blip r:embed="rId4"/>
-          <a:stretch>
-            <a:fillRect/>
-          </a:stretch>
-        </p:blipFill>
-        <p:spPr>
-          <a:xfrm>
-            <a:off x="6792926" y="1228670"/>
-            <a:ext cx="5087596" cy="4155054"/>
+            <a:off x="1757459" y="1224743"/>
+            <a:ext cx="8677081" cy="5131607"/>
           </a:xfrm>
           <a:prstGeom prst="rect">
             <a:avLst/>
@@ -20377,7 +19851,7 @@
     </p:spTree>
     <p:extLst>
       <p:ext uri="{BB962C8B-B14F-4D97-AF65-F5344CB8AC3E}">
-        <p14:creationId xmlns:p14="http://schemas.microsoft.com/office/powerpoint/2010/main" val="987492359"/>
+        <p14:creationId xmlns:p14="http://schemas.microsoft.com/office/powerpoint/2010/main" val="3509786689"/>
       </p:ext>
     </p:extLst>
   </p:cSld>
@@ -20422,7 +19896,7 @@
         </p:nvSpPr>
         <p:spPr>
           <a:xfrm>
-            <a:off x="1757459" y="0"/>
+            <a:off x="1885156" y="136525"/>
             <a:ext cx="8421688" cy="1325563"/>
           </a:xfrm>
         </p:spPr>
@@ -20481,10 +19955,10 @@
       </p:sp>
       <p:pic>
         <p:nvPicPr>
-          <p:cNvPr id="4" name="그림 3" descr="텍스트, 스크린샷, 디스플레이, 소프트웨어이(가) 표시된 사진&#10;&#10;자동 생성된 설명">
-            <a:extLst>
-              <a:ext uri="{FF2B5EF4-FFF2-40B4-BE49-F238E27FC236}">
-                <a16:creationId xmlns:a16="http://schemas.microsoft.com/office/drawing/2014/main" id="{BB16516D-0433-3437-E8E4-B582C9FD6477}"/>
+          <p:cNvPr id="4" name="그림 3" descr="텍스트, 스크린샷, 폰트, 번호이(가) 표시된 사진&#10;&#10;자동 생성된 설명">
+            <a:extLst>
+              <a:ext uri="{FF2B5EF4-FFF2-40B4-BE49-F238E27FC236}">
+                <a16:creationId xmlns:a16="http://schemas.microsoft.com/office/drawing/2014/main" id="{F952E0C0-9969-133C-3C7E-5482BFFFE59E}"/>
               </a:ext>
             </a:extLst>
           </p:cNvPr>
@@ -20501,8 +19975,8 @@
         </p:blipFill>
         <p:spPr>
           <a:xfrm>
-            <a:off x="1757459" y="1224743"/>
-            <a:ext cx="8677081" cy="5131607"/>
+            <a:off x="1885156" y="1076263"/>
+            <a:ext cx="7498527" cy="5280087"/>
           </a:xfrm>
           <a:prstGeom prst="rect">
             <a:avLst/>
@@ -20512,7 +19986,7 @@
     </p:spTree>
     <p:extLst>
       <p:ext uri="{BB962C8B-B14F-4D97-AF65-F5344CB8AC3E}">
-        <p14:creationId xmlns:p14="http://schemas.microsoft.com/office/powerpoint/2010/main" val="3509786689"/>
+        <p14:creationId xmlns:p14="http://schemas.microsoft.com/office/powerpoint/2010/main" val="3850339513"/>
       </p:ext>
     </p:extLst>
   </p:cSld>
@@ -20557,7 +20031,7 @@
         </p:nvSpPr>
         <p:spPr>
           <a:xfrm>
-            <a:off x="1885156" y="136525"/>
+            <a:off x="1885156" y="246107"/>
             <a:ext cx="8421688" cy="1325563"/>
           </a:xfrm>
         </p:spPr>
@@ -20616,10 +20090,10 @@
       </p:sp>
       <p:pic>
         <p:nvPicPr>
-          <p:cNvPr id="4" name="그림 3" descr="텍스트, 스크린샷, 폰트, 번호이(가) 표시된 사진&#10;&#10;자동 생성된 설명">
-            <a:extLst>
-              <a:ext uri="{FF2B5EF4-FFF2-40B4-BE49-F238E27FC236}">
-                <a16:creationId xmlns:a16="http://schemas.microsoft.com/office/drawing/2014/main" id="{F952E0C0-9969-133C-3C7E-5482BFFFE59E}"/>
+          <p:cNvPr id="4" name="그림 3" descr="텍스트, 스크린샷, 번호, 폰트이(가) 표시된 사진&#10;&#10;자동 생성된 설명">
+            <a:extLst>
+              <a:ext uri="{FF2B5EF4-FFF2-40B4-BE49-F238E27FC236}">
+                <a16:creationId xmlns:a16="http://schemas.microsoft.com/office/drawing/2014/main" id="{14F69D21-6C65-4335-3B45-BBD5BCCE9688}"/>
               </a:ext>
             </a:extLst>
           </p:cNvPr>
@@ -20636,8 +20110,38 @@
         </p:blipFill>
         <p:spPr>
           <a:xfrm>
-            <a:off x="1885156" y="1076263"/>
-            <a:ext cx="7498527" cy="5280087"/>
+            <a:off x="90281" y="1495013"/>
+            <a:ext cx="6005719" cy="4861337"/>
+          </a:xfrm>
+          <a:prstGeom prst="rect">
+            <a:avLst/>
+          </a:prstGeom>
+        </p:spPr>
+      </p:pic>
+      <p:pic>
+        <p:nvPicPr>
+          <p:cNvPr id="6" name="그림 5" descr="텍스트, 스크린샷, 번호, 디스플레이이(가) 표시된 사진&#10;&#10;자동 생성된 설명">
+            <a:extLst>
+              <a:ext uri="{FF2B5EF4-FFF2-40B4-BE49-F238E27FC236}">
+                <a16:creationId xmlns:a16="http://schemas.microsoft.com/office/drawing/2014/main" id="{42158811-0E06-098D-BB0E-86068E9A132A}"/>
+              </a:ext>
+            </a:extLst>
+          </p:cNvPr>
+          <p:cNvPicPr>
+            <a:picLocks noChangeAspect="1"/>
+          </p:cNvPicPr>
+          <p:nvPr/>
+        </p:nvPicPr>
+        <p:blipFill>
+          <a:blip r:embed="rId4"/>
+          <a:stretch>
+            <a:fillRect/>
+          </a:stretch>
+        </p:blipFill>
+        <p:spPr>
+          <a:xfrm>
+            <a:off x="6075142" y="1495013"/>
+            <a:ext cx="6026577" cy="4861336"/>
           </a:xfrm>
           <a:prstGeom prst="rect">
             <a:avLst/>
@@ -20647,7 +20151,7 @@
     </p:spTree>
     <p:extLst>
       <p:ext uri="{BB962C8B-B14F-4D97-AF65-F5344CB8AC3E}">
-        <p14:creationId xmlns:p14="http://schemas.microsoft.com/office/powerpoint/2010/main" val="3850339513"/>
+        <p14:creationId xmlns:p14="http://schemas.microsoft.com/office/powerpoint/2010/main" val="939775037"/>
       </p:ext>
     </p:extLst>
   </p:cSld>
@@ -20692,7 +20196,7 @@
         </p:nvSpPr>
         <p:spPr>
           <a:xfrm>
-            <a:off x="1885156" y="246107"/>
+            <a:off x="1885156" y="79576"/>
             <a:ext cx="8421688" cy="1325563"/>
           </a:xfrm>
         </p:spPr>
@@ -20707,7 +20211,7 @@
             </a:r>
             <a:r>
               <a:rPr lang="en-US" altLang="ko-KR" dirty="0"/>
-              <a:t>FORM</a:t>
+              <a:t>cs</a:t>
             </a:r>
             <a:endParaRPr lang="ko-KR" altLang="en-US" dirty="0"/>
           </a:p>
@@ -20751,10 +20255,10 @@
       </p:sp>
       <p:pic>
         <p:nvPicPr>
-          <p:cNvPr id="4" name="그림 3" descr="텍스트, 스크린샷, 번호, 폰트이(가) 표시된 사진&#10;&#10;자동 생성된 설명">
-            <a:extLst>
-              <a:ext uri="{FF2B5EF4-FFF2-40B4-BE49-F238E27FC236}">
-                <a16:creationId xmlns:a16="http://schemas.microsoft.com/office/drawing/2014/main" id="{14F69D21-6C65-4335-3B45-BBD5BCCE9688}"/>
+          <p:cNvPr id="5" name="그림 4" descr="텍스트, 스크린샷, 폰트, 디자인이(가) 표시된 사진&#10;&#10;자동 생성된 설명">
+            <a:extLst>
+              <a:ext uri="{FF2B5EF4-FFF2-40B4-BE49-F238E27FC236}">
+                <a16:creationId xmlns:a16="http://schemas.microsoft.com/office/drawing/2014/main" id="{257FCE52-76CE-116B-EBA4-0B6FC1A6AAC5}"/>
               </a:ext>
             </a:extLst>
           </p:cNvPr>
@@ -20771,8 +20275,8 @@
         </p:blipFill>
         <p:spPr>
           <a:xfrm>
-            <a:off x="90281" y="1495013"/>
-            <a:ext cx="6005719" cy="4861337"/>
+            <a:off x="147081" y="1211168"/>
+            <a:ext cx="5387807" cy="2847485"/>
           </a:xfrm>
           <a:prstGeom prst="rect">
             <a:avLst/>
@@ -20781,10 +20285,10 @@
       </p:pic>
       <p:pic>
         <p:nvPicPr>
-          <p:cNvPr id="6" name="그림 5" descr="텍스트, 스크린샷, 번호, 디스플레이이(가) 표시된 사진&#10;&#10;자동 생성된 설명">
-            <a:extLst>
-              <a:ext uri="{FF2B5EF4-FFF2-40B4-BE49-F238E27FC236}">
-                <a16:creationId xmlns:a16="http://schemas.microsoft.com/office/drawing/2014/main" id="{42158811-0E06-098D-BB0E-86068E9A132A}"/>
+          <p:cNvPr id="8" name="그림 7" descr="텍스트, 스크린샷이(가) 표시된 사진&#10;&#10;자동 생성된 설명">
+            <a:extLst>
+              <a:ext uri="{FF2B5EF4-FFF2-40B4-BE49-F238E27FC236}">
+                <a16:creationId xmlns:a16="http://schemas.microsoft.com/office/drawing/2014/main" id="{741FB0D5-8AF1-D8CC-FD18-4F72B83CA104}"/>
               </a:ext>
             </a:extLst>
           </p:cNvPr>
@@ -20801,8 +20305,8 @@
         </p:blipFill>
         <p:spPr>
           <a:xfrm>
-            <a:off x="6075142" y="1495013"/>
-            <a:ext cx="6026577" cy="4861336"/>
+            <a:off x="5534888" y="1211168"/>
+            <a:ext cx="6657112" cy="5334011"/>
           </a:xfrm>
           <a:prstGeom prst="rect">
             <a:avLst/>
@@ -20812,7 +20316,7 @@
     </p:spTree>
     <p:extLst>
       <p:ext uri="{BB962C8B-B14F-4D97-AF65-F5344CB8AC3E}">
-        <p14:creationId xmlns:p14="http://schemas.microsoft.com/office/powerpoint/2010/main" val="939775037"/>
+        <p14:creationId xmlns:p14="http://schemas.microsoft.com/office/powerpoint/2010/main" val="2579874489"/>
       </p:ext>
     </p:extLst>
   </p:cSld>
@@ -20844,21 +20348,21 @@
           <p:cNvPr id="2" name="제목 1">
             <a:extLst>
               <a:ext uri="{FF2B5EF4-FFF2-40B4-BE49-F238E27FC236}">
-                <a16:creationId xmlns:a16="http://schemas.microsoft.com/office/drawing/2014/main" id="{75031FE9-9059-4FE8-B4AC-9771F23A1B89}"/>
-              </a:ext>
-            </a:extLst>
-          </p:cNvPr>
-          <p:cNvSpPr>
-            <a:spLocks noGrp="1"/>
-          </p:cNvSpPr>
-          <p:nvPr>
-            <p:ph type="title"/>
-          </p:nvPr>
-        </p:nvSpPr>
-        <p:spPr>
-          <a:xfrm>
-            <a:off x="1885156" y="79576"/>
-            <a:ext cx="8421688" cy="1325563"/>
+                <a16:creationId xmlns:a16="http://schemas.microsoft.com/office/drawing/2014/main" id="{BCCAEE93-8585-46D4-A7EC-F184E317CB2E}"/>
+              </a:ext>
+            </a:extLst>
+          </p:cNvPr>
+          <p:cNvSpPr>
+            <a:spLocks noGrp="1"/>
+          </p:cNvSpPr>
+          <p:nvPr>
+            <p:ph type="ctrTitle"/>
+          </p:nvPr>
+        </p:nvSpPr>
+        <p:spPr>
+          <a:xfrm>
+            <a:off x="2939143" y="475862"/>
+            <a:ext cx="9252857" cy="3149082"/>
           </a:xfrm>
         </p:spPr>
         <p:txBody>
@@ -20867,37 +20371,241 @@
           <a:p>
             <a:pPr rtl="0"/>
             <a:r>
-              <a:rPr lang="ko-KR" altLang="en-US" dirty="0"/>
-              <a:t>내가 만든 </a:t>
-            </a:r>
-            <a:r>
-              <a:rPr lang="en-US" altLang="ko-KR" dirty="0"/>
-              <a:t>cs</a:t>
-            </a:r>
-            <a:endParaRPr lang="ko-KR" altLang="en-US" dirty="0"/>
-          </a:p>
-        </p:txBody>
-      </p:sp>
-      <p:sp>
-        <p:nvSpPr>
-          <p:cNvPr id="82" name="슬라이드 번호 개체 틀 81">
-            <a:extLst>
-              <a:ext uri="{FF2B5EF4-FFF2-40B4-BE49-F238E27FC236}">
-                <a16:creationId xmlns:a16="http://schemas.microsoft.com/office/drawing/2014/main" id="{CE36A058-BEC2-4BC5-A467-F2EB2A365051}"/>
-              </a:ext>
-            </a:extLst>
-          </p:cNvPr>
-          <p:cNvSpPr>
-            <a:spLocks noGrp="1"/>
-          </p:cNvSpPr>
-          <p:nvPr>
-            <p:ph type="sldNum" sz="quarter" idx="22"/>
-          </p:nvPr>
-        </p:nvSpPr>
-        <p:spPr>
-          <a:xfrm>
-            <a:off x="8610600" y="6356350"/>
-            <a:ext cx="2743200" cy="365125"/>
+              <a:rPr lang="ko-KR" altLang="en-US" sz="3000" dirty="0"/>
+              <a:t>원본 소스 출처</a:t>
+            </a:r>
+            <a:br>
+              <a:rPr lang="en-US" altLang="ko-KR" sz="2500" dirty="0"/>
+            </a:br>
+            <a:br>
+              <a:rPr lang="en-US" altLang="ko-KR" sz="2500" dirty="0"/>
+            </a:br>
+            <a:br>
+              <a:rPr lang="en-US" altLang="ko-KR" sz="2500" dirty="0"/>
+            </a:br>
+            <a:br>
+              <a:rPr lang="en-US" altLang="ko-KR" sz="2500" dirty="0"/>
+            </a:br>
+            <a:br>
+              <a:rPr lang="en-US" altLang="ko-KR" sz="2500" dirty="0"/>
+            </a:br>
+            <a:r>
+              <a:rPr lang="en-US" altLang="ko-KR" sz="2200" dirty="0">
+                <a:hlinkClick r:id="rId3"/>
+              </a:rPr>
+              <a:t>C# </a:t>
+            </a:r>
+            <a:r>
+              <a:rPr lang="ko-KR" altLang="en-US" sz="2200" dirty="0">
+                <a:hlinkClick r:id="rId3"/>
+              </a:rPr>
+              <a:t>컨베이어 </a:t>
+            </a:r>
+            <a:r>
+              <a:rPr lang="en-US" altLang="ko-KR" sz="2200" dirty="0">
+                <a:hlinkClick r:id="rId3"/>
+              </a:rPr>
+              <a:t>(2021-09-30 </a:t>
+            </a:r>
+            <a:r>
+              <a:rPr lang="ko-KR" altLang="en-US" sz="2200" dirty="0">
+                <a:hlinkClick r:id="rId3"/>
+              </a:rPr>
+              <a:t>영상 소스</a:t>
+            </a:r>
+            <a:r>
+              <a:rPr lang="en-US" altLang="ko-KR" sz="2200" dirty="0">
+                <a:hlinkClick r:id="rId3"/>
+              </a:rPr>
+              <a:t>) : </a:t>
+            </a:r>
+            <a:r>
+              <a:rPr lang="ko-KR" altLang="en-US" sz="2200" dirty="0">
+                <a:hlinkClick r:id="rId3"/>
+              </a:rPr>
+              <a:t>네이버 카페 </a:t>
+            </a:r>
+            <a:r>
+              <a:rPr lang="en-US" altLang="ko-KR" sz="2200" dirty="0">
+                <a:hlinkClick r:id="rId3"/>
+              </a:rPr>
+              <a:t>(naver.com)</a:t>
+            </a:r>
+            <a:r>
+              <a:rPr lang="ko-KR" altLang="en-US" sz="2200" dirty="0"/>
+              <a:t> </a:t>
+            </a:r>
+            <a:br>
+              <a:rPr lang="en-US" altLang="ko-KR" sz="2200" dirty="0"/>
+            </a:br>
+            <a:r>
+              <a:rPr lang="en-US" altLang="ko-KR" sz="2200" dirty="0">
+                <a:hlinkClick r:id="rId4"/>
+              </a:rPr>
+              <a:t>(516) C#</a:t>
+            </a:r>
+            <a:r>
+              <a:rPr lang="ko-KR" altLang="en-US" sz="2200" dirty="0">
+                <a:hlinkClick r:id="rId4"/>
+              </a:rPr>
+              <a:t>프로그래밍 </a:t>
+            </a:r>
+            <a:r>
+              <a:rPr lang="ko-KR" altLang="en-US" sz="2200" dirty="0" err="1">
+                <a:hlinkClick r:id="rId4"/>
+              </a:rPr>
+              <a:t>실전편</a:t>
+            </a:r>
+            <a:r>
+              <a:rPr lang="ko-KR" altLang="en-US" sz="2200" dirty="0">
+                <a:hlinkClick r:id="rId4"/>
+              </a:rPr>
+              <a:t> </a:t>
+            </a:r>
+            <a:r>
+              <a:rPr lang="en-US" altLang="ko-KR" sz="2200" dirty="0">
+                <a:hlinkClick r:id="rId4"/>
+              </a:rPr>
+              <a:t>- </a:t>
+            </a:r>
+            <a:r>
+              <a:rPr lang="en-US" altLang="ko-KR" sz="2200" dirty="0" err="1">
+                <a:hlinkClick r:id="rId4"/>
+              </a:rPr>
+              <a:t>Winform</a:t>
+            </a:r>
+            <a:r>
+              <a:rPr lang="en-US" altLang="ko-KR" sz="2200" dirty="0">
+                <a:hlinkClick r:id="rId4"/>
+              </a:rPr>
+              <a:t>, </a:t>
+            </a:r>
+            <a:r>
+              <a:rPr lang="ko-KR" altLang="en-US" sz="2200" dirty="0" err="1">
+                <a:hlinkClick r:id="rId4"/>
+              </a:rPr>
+              <a:t>보는것이</a:t>
+            </a:r>
+            <a:r>
+              <a:rPr lang="ko-KR" altLang="en-US" sz="2200" dirty="0">
+                <a:hlinkClick r:id="rId4"/>
+              </a:rPr>
+              <a:t> 하는 것보다 더 </a:t>
+            </a:r>
+            <a:r>
+              <a:rPr lang="ko-KR" altLang="en-US" sz="2200" dirty="0" err="1">
+                <a:hlinkClick r:id="rId4"/>
+              </a:rPr>
+              <a:t>재미있을순</a:t>
+            </a:r>
+            <a:r>
+              <a:rPr lang="ko-KR" altLang="en-US" sz="2200" dirty="0">
+                <a:hlinkClick r:id="rId4"/>
+              </a:rPr>
+              <a:t> 없지 </a:t>
+            </a:r>
+            <a:r>
+              <a:rPr lang="en-US" altLang="ko-KR" sz="2200" dirty="0">
+                <a:hlinkClick r:id="rId4"/>
+              </a:rPr>
+              <a:t>- YouTube</a:t>
+            </a:r>
+            <a:endParaRPr lang="ko-KR" altLang="en-US" sz="2200" dirty="0"/>
+          </a:p>
+        </p:txBody>
+      </p:sp>
+      <p:sp>
+        <p:nvSpPr>
+          <p:cNvPr id="4" name="날짜 개체 틀 3">
+            <a:extLst>
+              <a:ext uri="{FF2B5EF4-FFF2-40B4-BE49-F238E27FC236}">
+                <a16:creationId xmlns:a16="http://schemas.microsoft.com/office/drawing/2014/main" id="{72DA7980-C870-4C9A-84FA-4120D8AF5DE8}"/>
+              </a:ext>
+            </a:extLst>
+          </p:cNvPr>
+          <p:cNvSpPr>
+            <a:spLocks noGrp="1"/>
+          </p:cNvSpPr>
+          <p:nvPr>
+            <p:ph type="dt" sz="half" idx="10"/>
+          </p:nvPr>
+        </p:nvSpPr>
+        <p:spPr>
+          <a:xfrm>
+            <a:off x="4267200" y="6356350"/>
+            <a:ext cx="1774371" cy="365125"/>
+          </a:xfrm>
+        </p:spPr>
+        <p:txBody>
+          <a:bodyPr rtlCol="0"/>
+          <a:lstStyle/>
+          <a:p>
+            <a:pPr rtl="0"/>
+            <a:r>
+              <a:rPr lang="en-US" altLang="ko-KR"/>
+              <a:t>20XX</a:t>
+            </a:r>
+            <a:r>
+              <a:rPr lang="ko-KR" altLang="en-US"/>
+              <a:t>년</a:t>
+            </a:r>
+          </a:p>
+        </p:txBody>
+      </p:sp>
+      <p:sp>
+        <p:nvSpPr>
+          <p:cNvPr id="5" name="바닥글 개체 틀 4">
+            <a:extLst>
+              <a:ext uri="{FF2B5EF4-FFF2-40B4-BE49-F238E27FC236}">
+                <a16:creationId xmlns:a16="http://schemas.microsoft.com/office/drawing/2014/main" id="{0DFADE42-1A3F-40C8-A071-E57644F3D843}"/>
+              </a:ext>
+            </a:extLst>
+          </p:cNvPr>
+          <p:cNvSpPr>
+            <a:spLocks noGrp="1"/>
+          </p:cNvSpPr>
+          <p:nvPr>
+            <p:ph type="ftr" sz="quarter" idx="11"/>
+          </p:nvPr>
+        </p:nvSpPr>
+        <p:spPr>
+          <a:xfrm>
+            <a:off x="6479721" y="6356350"/>
+            <a:ext cx="2661557" cy="365125"/>
+          </a:xfrm>
+        </p:spPr>
+        <p:txBody>
+          <a:bodyPr rtlCol="0"/>
+          <a:lstStyle/>
+          <a:p>
+            <a:pPr rtl="0"/>
+            <a:r>
+              <a:rPr lang="ko-KR" altLang="en-US"/>
+              <a:t>설명 자료</a:t>
+            </a:r>
+          </a:p>
+        </p:txBody>
+      </p:sp>
+      <p:sp>
+        <p:nvSpPr>
+          <p:cNvPr id="6" name="슬라이드 번호 개체 틀 5">
+            <a:extLst>
+              <a:ext uri="{FF2B5EF4-FFF2-40B4-BE49-F238E27FC236}">
+                <a16:creationId xmlns:a16="http://schemas.microsoft.com/office/drawing/2014/main" id="{5EDCFF82-B70F-4971-9182-7C3AEA3CFD26}"/>
+              </a:ext>
+            </a:extLst>
+          </p:cNvPr>
+          <p:cNvSpPr>
+            <a:spLocks noGrp="1"/>
+          </p:cNvSpPr>
+          <p:nvPr>
+            <p:ph type="sldNum" sz="quarter" idx="12"/>
+          </p:nvPr>
+        </p:nvSpPr>
+        <p:spPr>
+          <a:xfrm>
+            <a:off x="9579428" y="6356350"/>
+            <a:ext cx="1774371" cy="365125"/>
           </a:xfrm>
         </p:spPr>
         <p:txBody>
@@ -20914,70 +20622,10 @@
           </a:p>
         </p:txBody>
       </p:sp>
-      <p:pic>
-        <p:nvPicPr>
-          <p:cNvPr id="5" name="그림 4" descr="텍스트, 스크린샷, 폰트, 디자인이(가) 표시된 사진&#10;&#10;자동 생성된 설명">
-            <a:extLst>
-              <a:ext uri="{FF2B5EF4-FFF2-40B4-BE49-F238E27FC236}">
-                <a16:creationId xmlns:a16="http://schemas.microsoft.com/office/drawing/2014/main" id="{257FCE52-76CE-116B-EBA4-0B6FC1A6AAC5}"/>
-              </a:ext>
-            </a:extLst>
-          </p:cNvPr>
-          <p:cNvPicPr>
-            <a:picLocks noChangeAspect="1"/>
-          </p:cNvPicPr>
-          <p:nvPr/>
-        </p:nvPicPr>
-        <p:blipFill>
-          <a:blip r:embed="rId3"/>
-          <a:stretch>
-            <a:fillRect/>
-          </a:stretch>
-        </p:blipFill>
-        <p:spPr>
-          <a:xfrm>
-            <a:off x="147081" y="1211168"/>
-            <a:ext cx="5387807" cy="2847485"/>
-          </a:xfrm>
-          <a:prstGeom prst="rect">
-            <a:avLst/>
-          </a:prstGeom>
-        </p:spPr>
-      </p:pic>
-      <p:pic>
-        <p:nvPicPr>
-          <p:cNvPr id="8" name="그림 7" descr="텍스트, 스크린샷이(가) 표시된 사진&#10;&#10;자동 생성된 설명">
-            <a:extLst>
-              <a:ext uri="{FF2B5EF4-FFF2-40B4-BE49-F238E27FC236}">
-                <a16:creationId xmlns:a16="http://schemas.microsoft.com/office/drawing/2014/main" id="{741FB0D5-8AF1-D8CC-FD18-4F72B83CA104}"/>
-              </a:ext>
-            </a:extLst>
-          </p:cNvPr>
-          <p:cNvPicPr>
-            <a:picLocks noChangeAspect="1"/>
-          </p:cNvPicPr>
-          <p:nvPr/>
-        </p:nvPicPr>
-        <p:blipFill>
-          <a:blip r:embed="rId4"/>
-          <a:stretch>
-            <a:fillRect/>
-          </a:stretch>
-        </p:blipFill>
-        <p:spPr>
-          <a:xfrm>
-            <a:off x="5534888" y="1211168"/>
-            <a:ext cx="6657112" cy="5334011"/>
-          </a:xfrm>
-          <a:prstGeom prst="rect">
-            <a:avLst/>
-          </a:prstGeom>
-        </p:spPr>
-      </p:pic>
     </p:spTree>
     <p:extLst>
       <p:ext uri="{BB962C8B-B14F-4D97-AF65-F5344CB8AC3E}">
-        <p14:creationId xmlns:p14="http://schemas.microsoft.com/office/powerpoint/2010/main" val="2579874489"/>
+        <p14:creationId xmlns:p14="http://schemas.microsoft.com/office/powerpoint/2010/main" val="1461575631"/>
       </p:ext>
     </p:extLst>
   </p:cSld>
@@ -21779,6 +21427,15 @@
 </file>
 
 <file path=customXml/item1.xml><?xml version="1.0" encoding="utf-8"?>
+<?mso-contentType ?>
+<FormTemplates xmlns="http://schemas.microsoft.com/sharepoint/v3/contenttype/forms">
+  <Display>DocumentLibraryForm</Display>
+  <Edit>DocumentLibraryForm</Edit>
+  <New>DocumentLibraryForm</New>
+</FormTemplates>
+</file>
+
+<file path=customXml/item2.xml><?xml version="1.0" encoding="utf-8"?>
 <ct:contentTypeSchema xmlns:ct="http://schemas.microsoft.com/office/2006/metadata/contentType" xmlns:ma="http://schemas.microsoft.com/office/2006/metadata/properties/metaAttributes" ct:_="" ma:_="" ma:contentTypeName="Document" ma:contentTypeID="0x01010079F111ED35F8CC479449609E8A0923A6" ma:contentTypeVersion="20" ma:contentTypeDescription="Create a new document." ma:contentTypeScope="" ma:versionID="1267097ee5f5874adfcc408041ae252e">
   <xsd:schema xmlns:xsd="http://www.w3.org/2001/XMLSchema" xmlns:xs="http://www.w3.org/2001/XMLSchema" xmlns:p="http://schemas.microsoft.com/office/2006/metadata/properties" xmlns:ns1="http://schemas.microsoft.com/sharepoint/v3" xmlns:ns2="71af3243-3dd4-4a8d-8c0d-dd76da1f02a5" xmlns:ns3="16c05727-aa75-4e4a-9b5f-8a80a1165891" xmlns:ns4="230e9df3-be65-4c73-a93b-d1236ebd677e" targetNamespace="http://schemas.microsoft.com/office/2006/metadata/properties" ma:root="true" ma:fieldsID="395891a93df65b14727750f2c06c306c" ns1:_="" ns2:_="" ns3:_="" ns4:_="">
     <xsd:import namespace="http://schemas.microsoft.com/sharepoint/v3"/>
@@ -22054,15 +21711,6 @@
 </ct:contentTypeSchema>
 </file>
 
-<file path=customXml/item2.xml><?xml version="1.0" encoding="utf-8"?>
-<?mso-contentType ?>
-<FormTemplates xmlns="http://schemas.microsoft.com/sharepoint/v3/contenttype/forms">
-  <Display>DocumentLibraryForm</Display>
-  <Edit>DocumentLibraryForm</Edit>
-  <New>DocumentLibraryForm</New>
-</FormTemplates>
-</file>
-
 <file path=customXml/item3.xml><?xml version="1.0" encoding="utf-8"?>
 <p:properties xmlns:p="http://schemas.microsoft.com/office/2006/metadata/properties" xmlns:xsi="http://www.w3.org/2001/XMLSchema-instance" xmlns:pc="http://schemas.microsoft.com/office/infopath/2007/PartnerControls">
   <documentManagement>
@@ -22083,6 +21731,14 @@
 </file>
 
 <file path=customXml/itemProps1.xml><?xml version="1.0" encoding="utf-8"?>
+<ds:datastoreItem xmlns:ds="http://schemas.openxmlformats.org/officeDocument/2006/customXml" ds:itemID="{42BC90D6-94CF-42F7-AAC4-9CF6824C54D5}">
+  <ds:schemaRefs>
+    <ds:schemaRef ds:uri="http://schemas.microsoft.com/sharepoint/v3/contenttype/forms"/>
+  </ds:schemaRefs>
+</ds:datastoreItem>
+</file>
+
+<file path=customXml/itemProps2.xml><?xml version="1.0" encoding="utf-8"?>
 <ds:datastoreItem xmlns:ds="http://schemas.openxmlformats.org/officeDocument/2006/customXml" ds:itemID="{64CF2EF3-001F-4BE9-81B3-86ECBBF9425F}">
   <ds:schemaRefs>
     <ds:schemaRef ds:uri="http://schemas.microsoft.com/office/2006/metadata/contentType"/>
@@ -22099,14 +21755,6 @@
     <ds:schemaRef ds:uri="http://purl.org/dc/elements/1.1/"/>
     <ds:schemaRef ds:uri="http://purl.org/dc/terms/"/>
     <ds:schemaRef ds:uri="http://schemas.microsoft.com/internal/obd"/>
-  </ds:schemaRefs>
-</ds:datastoreItem>
-</file>
-
-<file path=customXml/itemProps2.xml><?xml version="1.0" encoding="utf-8"?>
-<ds:datastoreItem xmlns:ds="http://schemas.openxmlformats.org/officeDocument/2006/customXml" ds:itemID="{42BC90D6-94CF-42F7-AAC4-9CF6824C54D5}">
-  <ds:schemaRefs>
-    <ds:schemaRef ds:uri="http://schemas.microsoft.com/sharepoint/v3/contenttype/forms"/>
   </ds:schemaRefs>
 </ds:datastoreItem>
 </file>
